--- a/webdev/lesson-1/lesson-1.pptx
+++ b/webdev/lesson-1/lesson-1.pptx
@@ -22,31 +22,23 @@
     <p:sldId id="267" r:id="rId17"/>
     <p:sldId id="268" r:id="rId18"/>
     <p:sldId id="269" r:id="rId19"/>
-    <p:sldId id="270" r:id="rId20"/>
-    <p:sldId id="271" r:id="rId21"/>
-    <p:sldId id="272" r:id="rId22"/>
-    <p:sldId id="273" r:id="rId23"/>
-    <p:sldId id="274" r:id="rId24"/>
-    <p:sldId id="275" r:id="rId25"/>
-    <p:sldId id="276" r:id="rId26"/>
-    <p:sldId id="277" r:id="rId27"/>
   </p:sldIdLst>
   <p:sldSz cy="5143500" cx="9144000"/>
   <p:notesSz cx="6858000" cy="9144000"/>
   <p:embeddedFontLst>
     <p:embeddedFont>
       <p:font typeface="Roboto"/>
-      <p:regular r:id="rId28"/>
-      <p:bold r:id="rId29"/>
-      <p:italic r:id="rId30"/>
-      <p:boldItalic r:id="rId31"/>
+      <p:regular r:id="rId20"/>
+      <p:bold r:id="rId21"/>
+      <p:italic r:id="rId22"/>
+      <p:boldItalic r:id="rId23"/>
     </p:embeddedFont>
     <p:embeddedFont>
       <p:font typeface="Merriweather"/>
-      <p:regular r:id="rId32"/>
-      <p:bold r:id="rId33"/>
-      <p:italic r:id="rId34"/>
-      <p:boldItalic r:id="rId35"/>
+      <p:regular r:id="rId24"/>
+      <p:bold r:id="rId25"/>
+      <p:italic r:id="rId26"/>
+      <p:boldItalic r:id="rId27"/>
     </p:embeddedFont>
   </p:embeddedFontLst>
   <p:defaultTextStyle>
@@ -1237,7 +1229,7 @@
       </p:grpSpPr>
       <p:sp>
         <p:nvSpPr>
-          <p:cNvPr id="139" name="Google Shape;139;g7d039d7709_1_109:notes"/>
+          <p:cNvPr id="139" name="Google Shape;139;g7d039d7709_1_123:notes"/>
           <p:cNvSpPr/>
           <p:nvPr>
             <p:ph idx="2" type="sldImg"/>
@@ -1272,502 +1264,7 @@
       </p:sp>
       <p:sp>
         <p:nvSpPr>
-          <p:cNvPr id="140" name="Google Shape;140;g7d039d7709_1_109:notes"/>
-          <p:cNvSpPr txBox="1"/>
-          <p:nvPr>
-            <p:ph idx="1" type="body"/>
-          </p:nvPr>
-        </p:nvSpPr>
-        <p:spPr>
-          <a:xfrm>
-            <a:off x="685800" y="4343400"/>
-            <a:ext cx="5486400" cy="4114800"/>
-          </a:xfrm>
-          <a:prstGeom prst="rect">
-            <a:avLst/>
-          </a:prstGeom>
-        </p:spPr>
-        <p:txBody>
-          <a:bodyPr anchorCtr="0" anchor="t" bIns="91425" lIns="91425" spcFirstLastPara="1" rIns="91425" wrap="square" tIns="91425">
-            <a:noAutofit/>
-          </a:bodyPr>
-          <a:lstStyle/>
-          <a:p>
-            <a:pPr indent="0" lvl="0" marL="0" rtl="0" algn="l">
-              <a:spcBef>
-                <a:spcPts val="0"/>
-              </a:spcBef>
-              <a:spcAft>
-                <a:spcPts val="0"/>
-              </a:spcAft>
-              <a:buNone/>
-            </a:pPr>
-            <a:r>
-              <a:t/>
-            </a:r>
-            <a:endParaRPr/>
-          </a:p>
-        </p:txBody>
-      </p:sp>
-    </p:spTree>
-  </p:cSld>
-  <p:clrMapOvr>
-    <a:masterClrMapping/>
-  </p:clrMapOvr>
-</p:notes>
-</file>
-
-<file path=ppt/notesSlides/notesSlide15.xml><?xml version="1.0" encoding="utf-8"?>
-<p:notes xmlns:a="http://schemas.openxmlformats.org/drawingml/2006/main" xmlns:r="http://schemas.openxmlformats.org/officeDocument/2006/relationships" xmlns:mc="http://schemas.openxmlformats.org/markup-compatibility/2006" xmlns:mv="urn:schemas-microsoft-com:mac:vml" xmlns:p="http://schemas.openxmlformats.org/presentationml/2006/main" xmlns:c="http://schemas.openxmlformats.org/drawingml/2006/chart" xmlns:dgm="http://schemas.openxmlformats.org/drawingml/2006/diagram" xmlns:o="urn:schemas-microsoft-com:office:office" xmlns:v="urn:schemas-microsoft-com:vml" xmlns:pvml="urn:schemas-microsoft-com:office:powerpoint" xmlns:com="http://schemas.openxmlformats.org/drawingml/2006/compatibility" xmlns:p14="http://schemas.microsoft.com/office/powerpoint/2010/main" xmlns:p15="http://schemas.microsoft.com/office/powerpoint/2012/main" showMasterPhAnim="0" showMasterSp="0">
-  <p:cSld>
-    <p:spTree>
-      <p:nvGrpSpPr>
-        <p:cNvPr id="143" name="Shape 143"/>
-        <p:cNvGrpSpPr/>
-        <p:nvPr/>
-      </p:nvGrpSpPr>
-      <p:grpSpPr>
-        <a:xfrm>
-          <a:off x="0" y="0"/>
-          <a:ext cx="0" cy="0"/>
-          <a:chOff x="0" y="0"/>
-          <a:chExt cx="0" cy="0"/>
-        </a:xfrm>
-      </p:grpSpPr>
-      <p:sp>
-        <p:nvSpPr>
-          <p:cNvPr id="144" name="Google Shape;144;g7d0f293237_0_0:notes"/>
-          <p:cNvSpPr/>
-          <p:nvPr>
-            <p:ph idx="2" type="sldImg"/>
-          </p:nvPr>
-        </p:nvSpPr>
-        <p:spPr>
-          <a:xfrm>
-            <a:off x="381300" y="685800"/>
-            <a:ext cx="6096000" cy="3429000"/>
-          </a:xfrm>
-          <a:custGeom>
-            <a:rect b="b" l="l" r="r" t="t"/>
-            <a:pathLst>
-              <a:path extrusionOk="0" h="120000" w="120000">
-                <a:moveTo>
-                  <a:pt x="0" y="0"/>
-                </a:moveTo>
-                <a:lnTo>
-                  <a:pt x="120000" y="0"/>
-                </a:lnTo>
-                <a:lnTo>
-                  <a:pt x="120000" y="120000"/>
-                </a:lnTo>
-                <a:lnTo>
-                  <a:pt x="0" y="120000"/>
-                </a:lnTo>
-                <a:close/>
-              </a:path>
-            </a:pathLst>
-          </a:custGeom>
-        </p:spPr>
-      </p:sp>
-      <p:sp>
-        <p:nvSpPr>
-          <p:cNvPr id="145" name="Google Shape;145;g7d0f293237_0_0:notes"/>
-          <p:cNvSpPr txBox="1"/>
-          <p:nvPr>
-            <p:ph idx="1" type="body"/>
-          </p:nvPr>
-        </p:nvSpPr>
-        <p:spPr>
-          <a:xfrm>
-            <a:off x="685800" y="4343400"/>
-            <a:ext cx="5486400" cy="4114800"/>
-          </a:xfrm>
-          <a:prstGeom prst="rect">
-            <a:avLst/>
-          </a:prstGeom>
-        </p:spPr>
-        <p:txBody>
-          <a:bodyPr anchorCtr="0" anchor="t" bIns="91425" lIns="91425" spcFirstLastPara="1" rIns="91425" wrap="square" tIns="91425">
-            <a:noAutofit/>
-          </a:bodyPr>
-          <a:lstStyle/>
-          <a:p>
-            <a:pPr indent="0" lvl="0" marL="0" rtl="0" algn="l">
-              <a:spcBef>
-                <a:spcPts val="0"/>
-              </a:spcBef>
-              <a:spcAft>
-                <a:spcPts val="0"/>
-              </a:spcAft>
-              <a:buNone/>
-            </a:pPr>
-            <a:r>
-              <a:t/>
-            </a:r>
-            <a:endParaRPr/>
-          </a:p>
-        </p:txBody>
-      </p:sp>
-    </p:spTree>
-  </p:cSld>
-  <p:clrMapOvr>
-    <a:masterClrMapping/>
-  </p:clrMapOvr>
-</p:notes>
-</file>
-
-<file path=ppt/notesSlides/notesSlide16.xml><?xml version="1.0" encoding="utf-8"?>
-<p:notes xmlns:a="http://schemas.openxmlformats.org/drawingml/2006/main" xmlns:r="http://schemas.openxmlformats.org/officeDocument/2006/relationships" xmlns:mc="http://schemas.openxmlformats.org/markup-compatibility/2006" xmlns:mv="urn:schemas-microsoft-com:mac:vml" xmlns:p="http://schemas.openxmlformats.org/presentationml/2006/main" xmlns:c="http://schemas.openxmlformats.org/drawingml/2006/chart" xmlns:dgm="http://schemas.openxmlformats.org/drawingml/2006/diagram" xmlns:o="urn:schemas-microsoft-com:office:office" xmlns:v="urn:schemas-microsoft-com:vml" xmlns:pvml="urn:schemas-microsoft-com:office:powerpoint" xmlns:com="http://schemas.openxmlformats.org/drawingml/2006/compatibility" xmlns:p14="http://schemas.microsoft.com/office/powerpoint/2010/main" xmlns:p15="http://schemas.microsoft.com/office/powerpoint/2012/main" showMasterPhAnim="0" showMasterSp="0">
-  <p:cSld>
-    <p:spTree>
-      <p:nvGrpSpPr>
-        <p:cNvPr id="150" name="Shape 150"/>
-        <p:cNvGrpSpPr/>
-        <p:nvPr/>
-      </p:nvGrpSpPr>
-      <p:grpSpPr>
-        <a:xfrm>
-          <a:off x="0" y="0"/>
-          <a:ext cx="0" cy="0"/>
-          <a:chOff x="0" y="0"/>
-          <a:chExt cx="0" cy="0"/>
-        </a:xfrm>
-      </p:grpSpPr>
-      <p:sp>
-        <p:nvSpPr>
-          <p:cNvPr id="151" name="Google Shape;151;g7d0f293237_0_59:notes"/>
-          <p:cNvSpPr/>
-          <p:nvPr>
-            <p:ph idx="2" type="sldImg"/>
-          </p:nvPr>
-        </p:nvSpPr>
-        <p:spPr>
-          <a:xfrm>
-            <a:off x="381300" y="685800"/>
-            <a:ext cx="6096000" cy="3429000"/>
-          </a:xfrm>
-          <a:custGeom>
-            <a:rect b="b" l="l" r="r" t="t"/>
-            <a:pathLst>
-              <a:path extrusionOk="0" h="120000" w="120000">
-                <a:moveTo>
-                  <a:pt x="0" y="0"/>
-                </a:moveTo>
-                <a:lnTo>
-                  <a:pt x="120000" y="0"/>
-                </a:lnTo>
-                <a:lnTo>
-                  <a:pt x="120000" y="120000"/>
-                </a:lnTo>
-                <a:lnTo>
-                  <a:pt x="0" y="120000"/>
-                </a:lnTo>
-                <a:close/>
-              </a:path>
-            </a:pathLst>
-          </a:custGeom>
-        </p:spPr>
-      </p:sp>
-      <p:sp>
-        <p:nvSpPr>
-          <p:cNvPr id="152" name="Google Shape;152;g7d0f293237_0_59:notes"/>
-          <p:cNvSpPr txBox="1"/>
-          <p:nvPr>
-            <p:ph idx="1" type="body"/>
-          </p:nvPr>
-        </p:nvSpPr>
-        <p:spPr>
-          <a:xfrm>
-            <a:off x="685800" y="4343400"/>
-            <a:ext cx="5486400" cy="4114800"/>
-          </a:xfrm>
-          <a:prstGeom prst="rect">
-            <a:avLst/>
-          </a:prstGeom>
-        </p:spPr>
-        <p:txBody>
-          <a:bodyPr anchorCtr="0" anchor="t" bIns="91425" lIns="91425" spcFirstLastPara="1" rIns="91425" wrap="square" tIns="91425">
-            <a:noAutofit/>
-          </a:bodyPr>
-          <a:lstStyle/>
-          <a:p>
-            <a:pPr indent="0" lvl="0" marL="0" rtl="0" algn="l">
-              <a:spcBef>
-                <a:spcPts val="0"/>
-              </a:spcBef>
-              <a:spcAft>
-                <a:spcPts val="0"/>
-              </a:spcAft>
-              <a:buNone/>
-            </a:pPr>
-            <a:r>
-              <a:t/>
-            </a:r>
-            <a:endParaRPr/>
-          </a:p>
-        </p:txBody>
-      </p:sp>
-    </p:spTree>
-  </p:cSld>
-  <p:clrMapOvr>
-    <a:masterClrMapping/>
-  </p:clrMapOvr>
-</p:notes>
-</file>
-
-<file path=ppt/notesSlides/notesSlide17.xml><?xml version="1.0" encoding="utf-8"?>
-<p:notes xmlns:a="http://schemas.openxmlformats.org/drawingml/2006/main" xmlns:r="http://schemas.openxmlformats.org/officeDocument/2006/relationships" xmlns:mc="http://schemas.openxmlformats.org/markup-compatibility/2006" xmlns:mv="urn:schemas-microsoft-com:mac:vml" xmlns:p="http://schemas.openxmlformats.org/presentationml/2006/main" xmlns:c="http://schemas.openxmlformats.org/drawingml/2006/chart" xmlns:dgm="http://schemas.openxmlformats.org/drawingml/2006/diagram" xmlns:o="urn:schemas-microsoft-com:office:office" xmlns:v="urn:schemas-microsoft-com:vml" xmlns:pvml="urn:schemas-microsoft-com:office:powerpoint" xmlns:com="http://schemas.openxmlformats.org/drawingml/2006/compatibility" xmlns:p14="http://schemas.microsoft.com/office/powerpoint/2010/main" xmlns:p15="http://schemas.microsoft.com/office/powerpoint/2012/main" showMasterPhAnim="0" showMasterSp="0">
-  <p:cSld>
-    <p:spTree>
-      <p:nvGrpSpPr>
-        <p:cNvPr id="156" name="Shape 156"/>
-        <p:cNvGrpSpPr/>
-        <p:nvPr/>
-      </p:nvGrpSpPr>
-      <p:grpSpPr>
-        <a:xfrm>
-          <a:off x="0" y="0"/>
-          <a:ext cx="0" cy="0"/>
-          <a:chOff x="0" y="0"/>
-          <a:chExt cx="0" cy="0"/>
-        </a:xfrm>
-      </p:grpSpPr>
-      <p:sp>
-        <p:nvSpPr>
-          <p:cNvPr id="157" name="Google Shape;157;g7d0f293237_0_14:notes"/>
-          <p:cNvSpPr/>
-          <p:nvPr>
-            <p:ph idx="2" type="sldImg"/>
-          </p:nvPr>
-        </p:nvSpPr>
-        <p:spPr>
-          <a:xfrm>
-            <a:off x="381300" y="685800"/>
-            <a:ext cx="6096000" cy="3429000"/>
-          </a:xfrm>
-          <a:custGeom>
-            <a:rect b="b" l="l" r="r" t="t"/>
-            <a:pathLst>
-              <a:path extrusionOk="0" h="120000" w="120000">
-                <a:moveTo>
-                  <a:pt x="0" y="0"/>
-                </a:moveTo>
-                <a:lnTo>
-                  <a:pt x="120000" y="0"/>
-                </a:lnTo>
-                <a:lnTo>
-                  <a:pt x="120000" y="120000"/>
-                </a:lnTo>
-                <a:lnTo>
-                  <a:pt x="0" y="120000"/>
-                </a:lnTo>
-                <a:close/>
-              </a:path>
-            </a:pathLst>
-          </a:custGeom>
-        </p:spPr>
-      </p:sp>
-      <p:sp>
-        <p:nvSpPr>
-          <p:cNvPr id="158" name="Google Shape;158;g7d0f293237_0_14:notes"/>
-          <p:cNvSpPr txBox="1"/>
-          <p:nvPr>
-            <p:ph idx="1" type="body"/>
-          </p:nvPr>
-        </p:nvSpPr>
-        <p:spPr>
-          <a:xfrm>
-            <a:off x="685800" y="4343400"/>
-            <a:ext cx="5486400" cy="4114800"/>
-          </a:xfrm>
-          <a:prstGeom prst="rect">
-            <a:avLst/>
-          </a:prstGeom>
-        </p:spPr>
-        <p:txBody>
-          <a:bodyPr anchorCtr="0" anchor="t" bIns="91425" lIns="91425" spcFirstLastPara="1" rIns="91425" wrap="square" tIns="91425">
-            <a:noAutofit/>
-          </a:bodyPr>
-          <a:lstStyle/>
-          <a:p>
-            <a:pPr indent="0" lvl="0" marL="0" rtl="0" algn="l">
-              <a:spcBef>
-                <a:spcPts val="0"/>
-              </a:spcBef>
-              <a:spcAft>
-                <a:spcPts val="0"/>
-              </a:spcAft>
-              <a:buNone/>
-            </a:pPr>
-            <a:r>
-              <a:t/>
-            </a:r>
-            <a:endParaRPr/>
-          </a:p>
-        </p:txBody>
-      </p:sp>
-    </p:spTree>
-  </p:cSld>
-  <p:clrMapOvr>
-    <a:masterClrMapping/>
-  </p:clrMapOvr>
-</p:notes>
-</file>
-
-<file path=ppt/notesSlides/notesSlide18.xml><?xml version="1.0" encoding="utf-8"?>
-<p:notes xmlns:a="http://schemas.openxmlformats.org/drawingml/2006/main" xmlns:r="http://schemas.openxmlformats.org/officeDocument/2006/relationships" xmlns:mc="http://schemas.openxmlformats.org/markup-compatibility/2006" xmlns:mv="urn:schemas-microsoft-com:mac:vml" xmlns:p="http://schemas.openxmlformats.org/presentationml/2006/main" xmlns:c="http://schemas.openxmlformats.org/drawingml/2006/chart" xmlns:dgm="http://schemas.openxmlformats.org/drawingml/2006/diagram" xmlns:o="urn:schemas-microsoft-com:office:office" xmlns:v="urn:schemas-microsoft-com:vml" xmlns:pvml="urn:schemas-microsoft-com:office:powerpoint" xmlns:com="http://schemas.openxmlformats.org/drawingml/2006/compatibility" xmlns:p14="http://schemas.microsoft.com/office/powerpoint/2010/main" xmlns:p15="http://schemas.microsoft.com/office/powerpoint/2012/main" showMasterPhAnim="0" showMasterSp="0">
-  <p:cSld>
-    <p:spTree>
-      <p:nvGrpSpPr>
-        <p:cNvPr id="163" name="Shape 163"/>
-        <p:cNvGrpSpPr/>
-        <p:nvPr/>
-      </p:nvGrpSpPr>
-      <p:grpSpPr>
-        <a:xfrm>
-          <a:off x="0" y="0"/>
-          <a:ext cx="0" cy="0"/>
-          <a:chOff x="0" y="0"/>
-          <a:chExt cx="0" cy="0"/>
-        </a:xfrm>
-      </p:grpSpPr>
-      <p:sp>
-        <p:nvSpPr>
-          <p:cNvPr id="164" name="Google Shape;164;g7d0f293237_0_66:notes"/>
-          <p:cNvSpPr/>
-          <p:nvPr>
-            <p:ph idx="2" type="sldImg"/>
-          </p:nvPr>
-        </p:nvSpPr>
-        <p:spPr>
-          <a:xfrm>
-            <a:off x="381300" y="685800"/>
-            <a:ext cx="6096000" cy="3429000"/>
-          </a:xfrm>
-          <a:custGeom>
-            <a:rect b="b" l="l" r="r" t="t"/>
-            <a:pathLst>
-              <a:path extrusionOk="0" h="120000" w="120000">
-                <a:moveTo>
-                  <a:pt x="0" y="0"/>
-                </a:moveTo>
-                <a:lnTo>
-                  <a:pt x="120000" y="0"/>
-                </a:lnTo>
-                <a:lnTo>
-                  <a:pt x="120000" y="120000"/>
-                </a:lnTo>
-                <a:lnTo>
-                  <a:pt x="0" y="120000"/>
-                </a:lnTo>
-                <a:close/>
-              </a:path>
-            </a:pathLst>
-          </a:custGeom>
-        </p:spPr>
-      </p:sp>
-      <p:sp>
-        <p:nvSpPr>
-          <p:cNvPr id="165" name="Google Shape;165;g7d0f293237_0_66:notes"/>
-          <p:cNvSpPr txBox="1"/>
-          <p:nvPr>
-            <p:ph idx="1" type="body"/>
-          </p:nvPr>
-        </p:nvSpPr>
-        <p:spPr>
-          <a:xfrm>
-            <a:off x="685800" y="4343400"/>
-            <a:ext cx="5486400" cy="4114800"/>
-          </a:xfrm>
-          <a:prstGeom prst="rect">
-            <a:avLst/>
-          </a:prstGeom>
-        </p:spPr>
-        <p:txBody>
-          <a:bodyPr anchorCtr="0" anchor="t" bIns="91425" lIns="91425" spcFirstLastPara="1" rIns="91425" wrap="square" tIns="91425">
-            <a:noAutofit/>
-          </a:bodyPr>
-          <a:lstStyle/>
-          <a:p>
-            <a:pPr indent="0" lvl="0" marL="0" rtl="0" algn="l">
-              <a:spcBef>
-                <a:spcPts val="0"/>
-              </a:spcBef>
-              <a:spcAft>
-                <a:spcPts val="0"/>
-              </a:spcAft>
-              <a:buNone/>
-            </a:pPr>
-            <a:r>
-              <a:t/>
-            </a:r>
-            <a:endParaRPr/>
-          </a:p>
-        </p:txBody>
-      </p:sp>
-    </p:spTree>
-  </p:cSld>
-  <p:clrMapOvr>
-    <a:masterClrMapping/>
-  </p:clrMapOvr>
-</p:notes>
-</file>
-
-<file path=ppt/notesSlides/notesSlide19.xml><?xml version="1.0" encoding="utf-8"?>
-<p:notes xmlns:a="http://schemas.openxmlformats.org/drawingml/2006/main" xmlns:r="http://schemas.openxmlformats.org/officeDocument/2006/relationships" xmlns:mc="http://schemas.openxmlformats.org/markup-compatibility/2006" xmlns:mv="urn:schemas-microsoft-com:mac:vml" xmlns:p="http://schemas.openxmlformats.org/presentationml/2006/main" xmlns:c="http://schemas.openxmlformats.org/drawingml/2006/chart" xmlns:dgm="http://schemas.openxmlformats.org/drawingml/2006/diagram" xmlns:o="urn:schemas-microsoft-com:office:office" xmlns:v="urn:schemas-microsoft-com:vml" xmlns:pvml="urn:schemas-microsoft-com:office:powerpoint" xmlns:com="http://schemas.openxmlformats.org/drawingml/2006/compatibility" xmlns:p14="http://schemas.microsoft.com/office/powerpoint/2010/main" xmlns:p15="http://schemas.microsoft.com/office/powerpoint/2012/main" showMasterPhAnim="0" showMasterSp="0">
-  <p:cSld>
-    <p:spTree>
-      <p:nvGrpSpPr>
-        <p:cNvPr id="169" name="Shape 169"/>
-        <p:cNvGrpSpPr/>
-        <p:nvPr/>
-      </p:nvGrpSpPr>
-      <p:grpSpPr>
-        <a:xfrm>
-          <a:off x="0" y="0"/>
-          <a:ext cx="0" cy="0"/>
-          <a:chOff x="0" y="0"/>
-          <a:chExt cx="0" cy="0"/>
-        </a:xfrm>
-      </p:grpSpPr>
-      <p:sp>
-        <p:nvSpPr>
-          <p:cNvPr id="170" name="Google Shape;170;g7d0f293237_0_35:notes"/>
-          <p:cNvSpPr/>
-          <p:nvPr>
-            <p:ph idx="2" type="sldImg"/>
-          </p:nvPr>
-        </p:nvSpPr>
-        <p:spPr>
-          <a:xfrm>
-            <a:off x="381300" y="685800"/>
-            <a:ext cx="6096000" cy="3429000"/>
-          </a:xfrm>
-          <a:custGeom>
-            <a:rect b="b" l="l" r="r" t="t"/>
-            <a:pathLst>
-              <a:path extrusionOk="0" h="120000" w="120000">
-                <a:moveTo>
-                  <a:pt x="0" y="0"/>
-                </a:moveTo>
-                <a:lnTo>
-                  <a:pt x="120000" y="0"/>
-                </a:lnTo>
-                <a:lnTo>
-                  <a:pt x="120000" y="120000"/>
-                </a:lnTo>
-                <a:lnTo>
-                  <a:pt x="0" y="120000"/>
-                </a:lnTo>
-                <a:close/>
-              </a:path>
-            </a:pathLst>
-          </a:custGeom>
-        </p:spPr>
-      </p:sp>
-      <p:sp>
-        <p:nvSpPr>
-          <p:cNvPr id="171" name="Google Shape;171;g7d0f293237_0_35:notes"/>
+          <p:cNvPr id="140" name="Google Shape;140;g7d039d7709_1_123:notes"/>
           <p:cNvSpPr txBox="1"/>
           <p:nvPr>
             <p:ph idx="1" type="body"/>
@@ -1867,303 +1364,6 @@
       <p:sp>
         <p:nvSpPr>
           <p:cNvPr id="67" name="Google Shape;67;g7cdbc83022_0_55:notes"/>
-          <p:cNvSpPr txBox="1"/>
-          <p:nvPr>
-            <p:ph idx="1" type="body"/>
-          </p:nvPr>
-        </p:nvSpPr>
-        <p:spPr>
-          <a:xfrm>
-            <a:off x="685800" y="4343400"/>
-            <a:ext cx="5486400" cy="4114800"/>
-          </a:xfrm>
-          <a:prstGeom prst="rect">
-            <a:avLst/>
-          </a:prstGeom>
-        </p:spPr>
-        <p:txBody>
-          <a:bodyPr anchorCtr="0" anchor="t" bIns="91425" lIns="91425" spcFirstLastPara="1" rIns="91425" wrap="square" tIns="91425">
-            <a:noAutofit/>
-          </a:bodyPr>
-          <a:lstStyle/>
-          <a:p>
-            <a:pPr indent="0" lvl="0" marL="0" rtl="0" algn="l">
-              <a:spcBef>
-                <a:spcPts val="0"/>
-              </a:spcBef>
-              <a:spcAft>
-                <a:spcPts val="0"/>
-              </a:spcAft>
-              <a:buNone/>
-            </a:pPr>
-            <a:r>
-              <a:t/>
-            </a:r>
-            <a:endParaRPr/>
-          </a:p>
-        </p:txBody>
-      </p:sp>
-    </p:spTree>
-  </p:cSld>
-  <p:clrMapOvr>
-    <a:masterClrMapping/>
-  </p:clrMapOvr>
-</p:notes>
-</file>
-
-<file path=ppt/notesSlides/notesSlide20.xml><?xml version="1.0" encoding="utf-8"?>
-<p:notes xmlns:a="http://schemas.openxmlformats.org/drawingml/2006/main" xmlns:r="http://schemas.openxmlformats.org/officeDocument/2006/relationships" xmlns:mc="http://schemas.openxmlformats.org/markup-compatibility/2006" xmlns:mv="urn:schemas-microsoft-com:mac:vml" xmlns:p="http://schemas.openxmlformats.org/presentationml/2006/main" xmlns:c="http://schemas.openxmlformats.org/drawingml/2006/chart" xmlns:dgm="http://schemas.openxmlformats.org/drawingml/2006/diagram" xmlns:o="urn:schemas-microsoft-com:office:office" xmlns:v="urn:schemas-microsoft-com:vml" xmlns:pvml="urn:schemas-microsoft-com:office:powerpoint" xmlns:com="http://schemas.openxmlformats.org/drawingml/2006/compatibility" xmlns:p14="http://schemas.microsoft.com/office/powerpoint/2010/main" xmlns:p15="http://schemas.microsoft.com/office/powerpoint/2012/main" showMasterPhAnim="0" showMasterSp="0">
-  <p:cSld>
-    <p:spTree>
-      <p:nvGrpSpPr>
-        <p:cNvPr id="174" name="Shape 174"/>
-        <p:cNvGrpSpPr/>
-        <p:nvPr/>
-      </p:nvGrpSpPr>
-      <p:grpSpPr>
-        <a:xfrm>
-          <a:off x="0" y="0"/>
-          <a:ext cx="0" cy="0"/>
-          <a:chOff x="0" y="0"/>
-          <a:chExt cx="0" cy="0"/>
-        </a:xfrm>
-      </p:grpSpPr>
-      <p:sp>
-        <p:nvSpPr>
-          <p:cNvPr id="175" name="Google Shape;175;g7d039d7709_1_114:notes"/>
-          <p:cNvSpPr/>
-          <p:nvPr>
-            <p:ph idx="2" type="sldImg"/>
-          </p:nvPr>
-        </p:nvSpPr>
-        <p:spPr>
-          <a:xfrm>
-            <a:off x="381300" y="685800"/>
-            <a:ext cx="6096000" cy="3429000"/>
-          </a:xfrm>
-          <a:custGeom>
-            <a:rect b="b" l="l" r="r" t="t"/>
-            <a:pathLst>
-              <a:path extrusionOk="0" h="120000" w="120000">
-                <a:moveTo>
-                  <a:pt x="0" y="0"/>
-                </a:moveTo>
-                <a:lnTo>
-                  <a:pt x="120000" y="0"/>
-                </a:lnTo>
-                <a:lnTo>
-                  <a:pt x="120000" y="120000"/>
-                </a:lnTo>
-                <a:lnTo>
-                  <a:pt x="0" y="120000"/>
-                </a:lnTo>
-                <a:close/>
-              </a:path>
-            </a:pathLst>
-          </a:custGeom>
-        </p:spPr>
-      </p:sp>
-      <p:sp>
-        <p:nvSpPr>
-          <p:cNvPr id="176" name="Google Shape;176;g7d039d7709_1_114:notes"/>
-          <p:cNvSpPr txBox="1"/>
-          <p:nvPr>
-            <p:ph idx="1" type="body"/>
-          </p:nvPr>
-        </p:nvSpPr>
-        <p:spPr>
-          <a:xfrm>
-            <a:off x="685800" y="4343400"/>
-            <a:ext cx="5486400" cy="4114800"/>
-          </a:xfrm>
-          <a:prstGeom prst="rect">
-            <a:avLst/>
-          </a:prstGeom>
-        </p:spPr>
-        <p:txBody>
-          <a:bodyPr anchorCtr="0" anchor="t" bIns="91425" lIns="91425" spcFirstLastPara="1" rIns="91425" wrap="square" tIns="91425">
-            <a:noAutofit/>
-          </a:bodyPr>
-          <a:lstStyle/>
-          <a:p>
-            <a:pPr indent="0" lvl="0" marL="0" rtl="0" algn="l">
-              <a:spcBef>
-                <a:spcPts val="0"/>
-              </a:spcBef>
-              <a:spcAft>
-                <a:spcPts val="0"/>
-              </a:spcAft>
-              <a:buNone/>
-            </a:pPr>
-            <a:r>
-              <a:t/>
-            </a:r>
-            <a:endParaRPr/>
-          </a:p>
-        </p:txBody>
-      </p:sp>
-    </p:spTree>
-  </p:cSld>
-  <p:clrMapOvr>
-    <a:masterClrMapping/>
-  </p:clrMapOvr>
-</p:notes>
-</file>
-
-<file path=ppt/notesSlides/notesSlide21.xml><?xml version="1.0" encoding="utf-8"?>
-<p:notes xmlns:a="http://schemas.openxmlformats.org/drawingml/2006/main" xmlns:r="http://schemas.openxmlformats.org/officeDocument/2006/relationships" xmlns:mc="http://schemas.openxmlformats.org/markup-compatibility/2006" xmlns:mv="urn:schemas-microsoft-com:mac:vml" xmlns:p="http://schemas.openxmlformats.org/presentationml/2006/main" xmlns:c="http://schemas.openxmlformats.org/drawingml/2006/chart" xmlns:dgm="http://schemas.openxmlformats.org/drawingml/2006/diagram" xmlns:o="urn:schemas-microsoft-com:office:office" xmlns:v="urn:schemas-microsoft-com:vml" xmlns:pvml="urn:schemas-microsoft-com:office:powerpoint" xmlns:com="http://schemas.openxmlformats.org/drawingml/2006/compatibility" xmlns:p14="http://schemas.microsoft.com/office/powerpoint/2010/main" xmlns:p15="http://schemas.microsoft.com/office/powerpoint/2012/main" showMasterPhAnim="0" showMasterSp="0">
-  <p:cSld>
-    <p:spTree>
-      <p:nvGrpSpPr>
-        <p:cNvPr id="180" name="Shape 180"/>
-        <p:cNvGrpSpPr/>
-        <p:nvPr/>
-      </p:nvGrpSpPr>
-      <p:grpSpPr>
-        <a:xfrm>
-          <a:off x="0" y="0"/>
-          <a:ext cx="0" cy="0"/>
-          <a:chOff x="0" y="0"/>
-          <a:chExt cx="0" cy="0"/>
-        </a:xfrm>
-      </p:grpSpPr>
-      <p:sp>
-        <p:nvSpPr>
-          <p:cNvPr id="181" name="Google Shape;181;g7d039d7709_1_123:notes"/>
-          <p:cNvSpPr/>
-          <p:nvPr>
-            <p:ph idx="2" type="sldImg"/>
-          </p:nvPr>
-        </p:nvSpPr>
-        <p:spPr>
-          <a:xfrm>
-            <a:off x="381300" y="685800"/>
-            <a:ext cx="6096000" cy="3429000"/>
-          </a:xfrm>
-          <a:custGeom>
-            <a:rect b="b" l="l" r="r" t="t"/>
-            <a:pathLst>
-              <a:path extrusionOk="0" h="120000" w="120000">
-                <a:moveTo>
-                  <a:pt x="0" y="0"/>
-                </a:moveTo>
-                <a:lnTo>
-                  <a:pt x="120000" y="0"/>
-                </a:lnTo>
-                <a:lnTo>
-                  <a:pt x="120000" y="120000"/>
-                </a:lnTo>
-                <a:lnTo>
-                  <a:pt x="0" y="120000"/>
-                </a:lnTo>
-                <a:close/>
-              </a:path>
-            </a:pathLst>
-          </a:custGeom>
-        </p:spPr>
-      </p:sp>
-      <p:sp>
-        <p:nvSpPr>
-          <p:cNvPr id="182" name="Google Shape;182;g7d039d7709_1_123:notes"/>
-          <p:cNvSpPr txBox="1"/>
-          <p:nvPr>
-            <p:ph idx="1" type="body"/>
-          </p:nvPr>
-        </p:nvSpPr>
-        <p:spPr>
-          <a:xfrm>
-            <a:off x="685800" y="4343400"/>
-            <a:ext cx="5486400" cy="4114800"/>
-          </a:xfrm>
-          <a:prstGeom prst="rect">
-            <a:avLst/>
-          </a:prstGeom>
-        </p:spPr>
-        <p:txBody>
-          <a:bodyPr anchorCtr="0" anchor="t" bIns="91425" lIns="91425" spcFirstLastPara="1" rIns="91425" wrap="square" tIns="91425">
-            <a:noAutofit/>
-          </a:bodyPr>
-          <a:lstStyle/>
-          <a:p>
-            <a:pPr indent="0" lvl="0" marL="0" rtl="0" algn="l">
-              <a:spcBef>
-                <a:spcPts val="0"/>
-              </a:spcBef>
-              <a:spcAft>
-                <a:spcPts val="0"/>
-              </a:spcAft>
-              <a:buNone/>
-            </a:pPr>
-            <a:r>
-              <a:t/>
-            </a:r>
-            <a:endParaRPr/>
-          </a:p>
-        </p:txBody>
-      </p:sp>
-    </p:spTree>
-  </p:cSld>
-  <p:clrMapOvr>
-    <a:masterClrMapping/>
-  </p:clrMapOvr>
-</p:notes>
-</file>
-
-<file path=ppt/notesSlides/notesSlide22.xml><?xml version="1.0" encoding="utf-8"?>
-<p:notes xmlns:a="http://schemas.openxmlformats.org/drawingml/2006/main" xmlns:r="http://schemas.openxmlformats.org/officeDocument/2006/relationships" xmlns:mc="http://schemas.openxmlformats.org/markup-compatibility/2006" xmlns:mv="urn:schemas-microsoft-com:mac:vml" xmlns:p="http://schemas.openxmlformats.org/presentationml/2006/main" xmlns:c="http://schemas.openxmlformats.org/drawingml/2006/chart" xmlns:dgm="http://schemas.openxmlformats.org/drawingml/2006/diagram" xmlns:o="urn:schemas-microsoft-com:office:office" xmlns:v="urn:schemas-microsoft-com:vml" xmlns:pvml="urn:schemas-microsoft-com:office:powerpoint" xmlns:com="http://schemas.openxmlformats.org/drawingml/2006/compatibility" xmlns:p14="http://schemas.microsoft.com/office/powerpoint/2010/main" xmlns:p15="http://schemas.microsoft.com/office/powerpoint/2012/main" showMasterPhAnim="0" showMasterSp="0">
-  <p:cSld>
-    <p:spTree>
-      <p:nvGrpSpPr>
-        <p:cNvPr id="185" name="Shape 185"/>
-        <p:cNvGrpSpPr/>
-        <p:nvPr/>
-      </p:nvGrpSpPr>
-      <p:grpSpPr>
-        <a:xfrm>
-          <a:off x="0" y="0"/>
-          <a:ext cx="0" cy="0"/>
-          <a:chOff x="0" y="0"/>
-          <a:chExt cx="0" cy="0"/>
-        </a:xfrm>
-      </p:grpSpPr>
-      <p:sp>
-        <p:nvSpPr>
-          <p:cNvPr id="186" name="Google Shape;186;g7d0f293237_0_78:notes"/>
-          <p:cNvSpPr/>
-          <p:nvPr>
-            <p:ph idx="2" type="sldImg"/>
-          </p:nvPr>
-        </p:nvSpPr>
-        <p:spPr>
-          <a:xfrm>
-            <a:off x="381300" y="685800"/>
-            <a:ext cx="6096000" cy="3429000"/>
-          </a:xfrm>
-          <a:custGeom>
-            <a:rect b="b" l="l" r="r" t="t"/>
-            <a:pathLst>
-              <a:path extrusionOk="0" h="120000" w="120000">
-                <a:moveTo>
-                  <a:pt x="0" y="0"/>
-                </a:moveTo>
-                <a:lnTo>
-                  <a:pt x="120000" y="0"/>
-                </a:lnTo>
-                <a:lnTo>
-                  <a:pt x="120000" y="120000"/>
-                </a:lnTo>
-                <a:lnTo>
-                  <a:pt x="0" y="120000"/>
-                </a:lnTo>
-                <a:close/>
-              </a:path>
-            </a:pathLst>
-          </a:custGeom>
-        </p:spPr>
-      </p:sp>
-      <p:sp>
-        <p:nvSpPr>
-          <p:cNvPr id="187" name="Google Shape;187;g7d0f293237_0_78:notes"/>
           <p:cNvSpPr txBox="1"/>
           <p:nvPr>
             <p:ph idx="1" type="body"/>
@@ -9084,8 +8284,8 @@
         </p:nvSpPr>
         <p:spPr>
           <a:xfrm>
-            <a:off x="4380000" y="909463"/>
-            <a:ext cx="4692300" cy="510000"/>
+            <a:off x="4310750" y="909475"/>
+            <a:ext cx="4761600" cy="695100"/>
           </a:xfrm>
           <a:prstGeom prst="rect">
             <a:avLst/>
@@ -9117,7 +8317,7 @@
               <a:t>Please navigate to: </a:t>
             </a:r>
             <a:r>
-              <a:rPr lang="en" sz="1100" u="sng">
+              <a:rPr lang="en" sz="1000" u="sng">
                 <a:solidFill>
                   <a:schemeClr val="hlink"/>
                 </a:solidFill>
@@ -9127,9 +8327,9 @@
                 <a:sym typeface="Arial"/>
                 <a:hlinkClick r:id="rId3"/>
               </a:rPr>
-              <a:t>github.com/UWCoffeeNCode/W20-Lessons/webdev/lesson-1</a:t>
+              <a:t>github.com/UWCoffeeNCode/W20-Lessons/tree/master/webdev/lesson-1</a:t>
             </a:r>
-            <a:endParaRPr sz="1100">
+            <a:endParaRPr sz="1000">
               <a:latin typeface="Calibri"/>
               <a:ea typeface="Calibri"/>
               <a:cs typeface="Calibri"/>
@@ -9815,87 +9015,6 @@
         <p:spPr>
           <a:xfrm>
             <a:off x="311700" y="539725"/>
-            <a:ext cx="8520600" cy="1053600"/>
-          </a:xfrm>
-          <a:prstGeom prst="rect">
-            <a:avLst/>
-          </a:prstGeom>
-        </p:spPr>
-        <p:txBody>
-          <a:bodyPr anchorCtr="0" anchor="t" bIns="91425" lIns="91425" spcFirstLastPara="1" rIns="91425" wrap="square" tIns="91425">
-            <a:noAutofit/>
-          </a:bodyPr>
-          <a:lstStyle/>
-          <a:p>
-            <a:pPr indent="0" lvl="0" marL="0" rtl="0" algn="l">
-              <a:spcBef>
-                <a:spcPts val="0"/>
-              </a:spcBef>
-              <a:spcAft>
-                <a:spcPts val="0"/>
-              </a:spcAft>
-              <a:buNone/>
-            </a:pPr>
-            <a:r>
-              <a:rPr lang="en"/>
-              <a:t>Express.js</a:t>
-            </a:r>
-            <a:endParaRPr/>
-          </a:p>
-          <a:p>
-            <a:pPr indent="0" lvl="0" marL="0" rtl="0" algn="l">
-              <a:spcBef>
-                <a:spcPts val="0"/>
-              </a:spcBef>
-              <a:spcAft>
-                <a:spcPts val="0"/>
-              </a:spcAft>
-              <a:buNone/>
-            </a:pPr>
-            <a:r>
-              <a:rPr lang="en" sz="2400"/>
-              <a:t>Introduction to REST API</a:t>
-            </a:r>
-            <a:endParaRPr sz="2400"/>
-          </a:p>
-        </p:txBody>
-      </p:sp>
-    </p:spTree>
-  </p:cSld>
-  <p:clrMapOvr>
-    <a:masterClrMapping/>
-  </p:clrMapOvr>
-</p:sld>
-</file>
-
-<file path=ppt/slides/slide15.xml><?xml version="1.0" encoding="utf-8"?>
-<p:sld xmlns:a="http://schemas.openxmlformats.org/drawingml/2006/main" xmlns:r="http://schemas.openxmlformats.org/officeDocument/2006/relationships" xmlns:mc="http://schemas.openxmlformats.org/markup-compatibility/2006" xmlns:mv="urn:schemas-microsoft-com:mac:vml" xmlns:p="http://schemas.openxmlformats.org/presentationml/2006/main" xmlns:c="http://schemas.openxmlformats.org/drawingml/2006/chart" xmlns:dgm="http://schemas.openxmlformats.org/drawingml/2006/diagram" xmlns:o="urn:schemas-microsoft-com:office:office" xmlns:v="urn:schemas-microsoft-com:vml" xmlns:pvml="urn:schemas-microsoft-com:office:powerpoint" xmlns:com="http://schemas.openxmlformats.org/drawingml/2006/compatibility" xmlns:p14="http://schemas.microsoft.com/office/powerpoint/2010/main" xmlns:p15="http://schemas.microsoft.com/office/powerpoint/2012/main">
-  <p:cSld>
-    <p:spTree>
-      <p:nvGrpSpPr>
-        <p:cNvPr id="146" name="Shape 146"/>
-        <p:cNvGrpSpPr/>
-        <p:nvPr/>
-      </p:nvGrpSpPr>
-      <p:grpSpPr>
-        <a:xfrm>
-          <a:off x="0" y="0"/>
-          <a:ext cx="0" cy="0"/>
-          <a:chOff x="0" y="0"/>
-          <a:chExt cx="0" cy="0"/>
-        </a:xfrm>
-      </p:grpSpPr>
-      <p:sp>
-        <p:nvSpPr>
-          <p:cNvPr id="147" name="Google Shape;147;p27"/>
-          <p:cNvSpPr txBox="1"/>
-          <p:nvPr>
-            <p:ph type="ctrTitle"/>
-          </p:nvPr>
-        </p:nvSpPr>
-        <p:spPr>
-          <a:xfrm>
-            <a:off x="311700" y="539725"/>
             <a:ext cx="8520600" cy="1282500"/>
           </a:xfrm>
           <a:prstGeom prst="rect">
@@ -9919,1276 +9038,7 @@
             </a:pPr>
             <a:r>
               <a:rPr lang="en"/>
-              <a:t>REST API</a:t>
-            </a:r>
-            <a:endParaRPr/>
-          </a:p>
-        </p:txBody>
-      </p:sp>
-      <p:sp>
-        <p:nvSpPr>
-          <p:cNvPr id="148" name="Google Shape;148;p27"/>
-          <p:cNvSpPr txBox="1"/>
-          <p:nvPr/>
-        </p:nvSpPr>
-        <p:spPr>
-          <a:xfrm>
-            <a:off x="311700" y="1370025"/>
-            <a:ext cx="5754900" cy="1145100"/>
-          </a:xfrm>
-          <a:prstGeom prst="rect">
-            <a:avLst/>
-          </a:prstGeom>
-          <a:noFill/>
-          <a:ln>
-            <a:noFill/>
-          </a:ln>
-        </p:spPr>
-        <p:txBody>
-          <a:bodyPr anchorCtr="0" anchor="t" bIns="91425" lIns="91425" spcFirstLastPara="1" rIns="91425" wrap="square" tIns="91425">
-            <a:noAutofit/>
-          </a:bodyPr>
-          <a:lstStyle/>
-          <a:p>
-            <a:pPr indent="-330200" lvl="0" marL="457200" rtl="0" algn="l">
-              <a:spcBef>
-                <a:spcPts val="0"/>
-              </a:spcBef>
-              <a:spcAft>
-                <a:spcPts val="0"/>
-              </a:spcAft>
-              <a:buSzPts val="1600"/>
-              <a:buFont typeface="Georgia"/>
-              <a:buChar char="-"/>
-            </a:pPr>
-            <a:r>
-              <a:rPr lang="en" sz="1600">
-                <a:highlight>
-                  <a:srgbClr val="FFFFFF"/>
-                </a:highlight>
-                <a:latin typeface="Calibri"/>
-                <a:ea typeface="Calibri"/>
-                <a:cs typeface="Calibri"/>
-                <a:sym typeface="Calibri"/>
-              </a:rPr>
-              <a:t>REST stands for </a:t>
-            </a:r>
-            <a:r>
-              <a:rPr b="1" lang="en" sz="1600">
-                <a:highlight>
-                  <a:srgbClr val="FFFFFF"/>
-                </a:highlight>
-                <a:latin typeface="Calibri"/>
-                <a:ea typeface="Calibri"/>
-                <a:cs typeface="Calibri"/>
-                <a:sym typeface="Calibri"/>
-              </a:rPr>
-              <a:t>RE</a:t>
-            </a:r>
-            <a:r>
-              <a:rPr lang="en" sz="1600">
-                <a:highlight>
-                  <a:srgbClr val="FFFFFF"/>
-                </a:highlight>
-                <a:latin typeface="Calibri"/>
-                <a:ea typeface="Calibri"/>
-                <a:cs typeface="Calibri"/>
-                <a:sym typeface="Calibri"/>
-              </a:rPr>
-              <a:t>presentational </a:t>
-            </a:r>
-            <a:r>
-              <a:rPr b="1" lang="en" sz="1600">
-                <a:highlight>
-                  <a:srgbClr val="FFFFFF"/>
-                </a:highlight>
-                <a:latin typeface="Calibri"/>
-                <a:ea typeface="Calibri"/>
-                <a:cs typeface="Calibri"/>
-                <a:sym typeface="Calibri"/>
-              </a:rPr>
-              <a:t>S</a:t>
-            </a:r>
-            <a:r>
-              <a:rPr lang="en" sz="1600">
-                <a:highlight>
-                  <a:srgbClr val="FFFFFF"/>
-                </a:highlight>
-                <a:latin typeface="Calibri"/>
-                <a:ea typeface="Calibri"/>
-                <a:cs typeface="Calibri"/>
-                <a:sym typeface="Calibri"/>
-              </a:rPr>
-              <a:t>tate </a:t>
-            </a:r>
-            <a:r>
-              <a:rPr b="1" lang="en" sz="1600">
-                <a:highlight>
-                  <a:srgbClr val="FFFFFF"/>
-                </a:highlight>
-                <a:latin typeface="Calibri"/>
-                <a:ea typeface="Calibri"/>
-                <a:cs typeface="Calibri"/>
-                <a:sym typeface="Calibri"/>
-              </a:rPr>
-              <a:t>T</a:t>
-            </a:r>
-            <a:r>
-              <a:rPr lang="en" sz="1600">
-                <a:highlight>
-                  <a:srgbClr val="FFFFFF"/>
-                </a:highlight>
-                <a:latin typeface="Calibri"/>
-                <a:ea typeface="Calibri"/>
-                <a:cs typeface="Calibri"/>
-                <a:sym typeface="Calibri"/>
-              </a:rPr>
-              <a:t>ransfer</a:t>
-            </a:r>
-            <a:endParaRPr sz="1600">
-              <a:highlight>
-                <a:srgbClr val="FFFFFF"/>
-              </a:highlight>
-              <a:latin typeface="Calibri"/>
-              <a:ea typeface="Calibri"/>
-              <a:cs typeface="Calibri"/>
-              <a:sym typeface="Calibri"/>
-            </a:endParaRPr>
-          </a:p>
-          <a:p>
-            <a:pPr indent="-330200" lvl="0" marL="457200" rtl="0" algn="l">
-              <a:spcBef>
-                <a:spcPts val="0"/>
-              </a:spcBef>
-              <a:spcAft>
-                <a:spcPts val="0"/>
-              </a:spcAft>
-              <a:buSzPts val="1600"/>
-              <a:buFont typeface="Calibri"/>
-              <a:buChar char="-"/>
-            </a:pPr>
-            <a:r>
-              <a:rPr lang="en" sz="1600">
-                <a:highlight>
-                  <a:srgbClr val="FFFFFF"/>
-                </a:highlight>
-                <a:latin typeface="Calibri"/>
-                <a:ea typeface="Calibri"/>
-                <a:cs typeface="Calibri"/>
-                <a:sym typeface="Calibri"/>
-              </a:rPr>
-              <a:t>REST is an architectural style, or design pattern, for APIs (API: Application Programming Interface)</a:t>
-            </a:r>
-            <a:endParaRPr sz="1600">
-              <a:highlight>
-                <a:srgbClr val="FFFFFF"/>
-              </a:highlight>
-              <a:latin typeface="Calibri"/>
-              <a:ea typeface="Calibri"/>
-              <a:cs typeface="Calibri"/>
-              <a:sym typeface="Calibri"/>
-            </a:endParaRPr>
-          </a:p>
-        </p:txBody>
-      </p:sp>
-      <p:sp>
-        <p:nvSpPr>
-          <p:cNvPr id="149" name="Google Shape;149;p27"/>
-          <p:cNvSpPr txBox="1"/>
-          <p:nvPr/>
-        </p:nvSpPr>
-        <p:spPr>
-          <a:xfrm>
-            <a:off x="4625275" y="3133250"/>
-            <a:ext cx="4273500" cy="1822500"/>
-          </a:xfrm>
-          <a:prstGeom prst="rect">
-            <a:avLst/>
-          </a:prstGeom>
-          <a:noFill/>
-          <a:ln>
-            <a:noFill/>
-          </a:ln>
-        </p:spPr>
-        <p:txBody>
-          <a:bodyPr anchorCtr="0" anchor="t" bIns="91425" lIns="91425" spcFirstLastPara="1" rIns="91425" wrap="square" tIns="91425">
-            <a:noAutofit/>
-          </a:bodyPr>
-          <a:lstStyle/>
-          <a:p>
-            <a:pPr indent="0" lvl="0" marL="0" rtl="0" algn="l">
-              <a:spcBef>
-                <a:spcPts val="0"/>
-              </a:spcBef>
-              <a:spcAft>
-                <a:spcPts val="0"/>
-              </a:spcAft>
-              <a:buNone/>
-            </a:pPr>
-            <a:r>
-              <a:t/>
-            </a:r>
-            <a:endParaRPr sz="1600">
-              <a:solidFill>
-                <a:srgbClr val="FFFFFF"/>
-              </a:solidFill>
-              <a:latin typeface="Georgia"/>
-              <a:ea typeface="Georgia"/>
-              <a:cs typeface="Georgia"/>
-              <a:sym typeface="Georgia"/>
-            </a:endParaRPr>
-          </a:p>
-        </p:txBody>
-      </p:sp>
-    </p:spTree>
-  </p:cSld>
-  <p:clrMapOvr>
-    <a:masterClrMapping/>
-  </p:clrMapOvr>
-</p:sld>
-</file>
-
-<file path=ppt/slides/slide16.xml><?xml version="1.0" encoding="utf-8"?>
-<p:sld xmlns:a="http://schemas.openxmlformats.org/drawingml/2006/main" xmlns:r="http://schemas.openxmlformats.org/officeDocument/2006/relationships" xmlns:mc="http://schemas.openxmlformats.org/markup-compatibility/2006" xmlns:mv="urn:schemas-microsoft-com:mac:vml" xmlns:p="http://schemas.openxmlformats.org/presentationml/2006/main" xmlns:c="http://schemas.openxmlformats.org/drawingml/2006/chart" xmlns:dgm="http://schemas.openxmlformats.org/drawingml/2006/diagram" xmlns:o="urn:schemas-microsoft-com:office:office" xmlns:v="urn:schemas-microsoft-com:vml" xmlns:pvml="urn:schemas-microsoft-com:office:powerpoint" xmlns:com="http://schemas.openxmlformats.org/drawingml/2006/compatibility" xmlns:p14="http://schemas.microsoft.com/office/powerpoint/2010/main" xmlns:p15="http://schemas.microsoft.com/office/powerpoint/2012/main">
-  <p:cSld>
-    <p:spTree>
-      <p:nvGrpSpPr>
-        <p:cNvPr id="153" name="Shape 153"/>
-        <p:cNvGrpSpPr/>
-        <p:nvPr/>
-      </p:nvGrpSpPr>
-      <p:grpSpPr>
-        <a:xfrm>
-          <a:off x="0" y="0"/>
-          <a:ext cx="0" cy="0"/>
-          <a:chOff x="0" y="0"/>
-          <a:chExt cx="0" cy="0"/>
-        </a:xfrm>
-      </p:grpSpPr>
-      <p:sp>
-        <p:nvSpPr>
-          <p:cNvPr id="154" name="Google Shape;154;p28"/>
-          <p:cNvSpPr txBox="1"/>
-          <p:nvPr>
-            <p:ph type="title"/>
-          </p:nvPr>
-        </p:nvSpPr>
-        <p:spPr>
-          <a:xfrm>
-            <a:off x="311725" y="500925"/>
-            <a:ext cx="8520600" cy="623700"/>
-          </a:xfrm>
-          <a:prstGeom prst="rect">
-            <a:avLst/>
-          </a:prstGeom>
-        </p:spPr>
-        <p:txBody>
-          <a:bodyPr anchorCtr="0" anchor="t" bIns="91425" lIns="91425" spcFirstLastPara="1" rIns="91425" wrap="square" tIns="91425">
-            <a:noAutofit/>
-          </a:bodyPr>
-          <a:lstStyle/>
-          <a:p>
-            <a:pPr indent="0" lvl="0" marL="0" rtl="0" algn="l">
-              <a:spcBef>
-                <a:spcPts val="0"/>
-              </a:spcBef>
-              <a:spcAft>
-                <a:spcPts val="0"/>
-              </a:spcAft>
-              <a:buNone/>
-            </a:pPr>
-            <a:r>
-              <a:rPr lang="en"/>
-              <a:t>Important Definitions</a:t>
-            </a:r>
-            <a:endParaRPr/>
-          </a:p>
-          <a:p>
-            <a:pPr indent="0" lvl="0" marL="0" rtl="0" algn="l">
-              <a:spcBef>
-                <a:spcPts val="0"/>
-              </a:spcBef>
-              <a:spcAft>
-                <a:spcPts val="0"/>
-              </a:spcAft>
-              <a:buNone/>
-            </a:pPr>
-            <a:r>
-              <a:t/>
-            </a:r>
-            <a:endParaRPr/>
-          </a:p>
-          <a:p>
-            <a:pPr indent="0" lvl="0" marL="0" rtl="0" algn="l">
-              <a:spcBef>
-                <a:spcPts val="0"/>
-              </a:spcBef>
-              <a:spcAft>
-                <a:spcPts val="0"/>
-              </a:spcAft>
-              <a:buNone/>
-            </a:pPr>
-            <a:r>
-              <a:t/>
-            </a:r>
-            <a:endParaRPr/>
-          </a:p>
-        </p:txBody>
-      </p:sp>
-      <p:sp>
-        <p:nvSpPr>
-          <p:cNvPr id="155" name="Google Shape;155;p28"/>
-          <p:cNvSpPr txBox="1"/>
-          <p:nvPr>
-            <p:ph idx="4294967295" type="subTitle"/>
-          </p:nvPr>
-        </p:nvSpPr>
-        <p:spPr>
-          <a:xfrm>
-            <a:off x="311700" y="1641225"/>
-            <a:ext cx="8520600" cy="3165300"/>
-          </a:xfrm>
-          <a:prstGeom prst="rect">
-            <a:avLst/>
-          </a:prstGeom>
-        </p:spPr>
-        <p:txBody>
-          <a:bodyPr anchorCtr="0" anchor="t" bIns="91425" lIns="91425" spcFirstLastPara="1" rIns="91425" wrap="square" tIns="91425">
-            <a:noAutofit/>
-          </a:bodyPr>
-          <a:lstStyle/>
-          <a:p>
-            <a:pPr indent="0" lvl="0" marL="0" rtl="0" algn="l">
-              <a:spcBef>
-                <a:spcPts val="0"/>
-              </a:spcBef>
-              <a:spcAft>
-                <a:spcPts val="0"/>
-              </a:spcAft>
-              <a:buNone/>
-            </a:pPr>
-            <a:r>
-              <a:rPr b="1" lang="en" sz="1400">
-                <a:solidFill>
-                  <a:srgbClr val="434343"/>
-                </a:solidFill>
-                <a:latin typeface="Calibri"/>
-                <a:ea typeface="Calibri"/>
-                <a:cs typeface="Calibri"/>
-                <a:sym typeface="Calibri"/>
-              </a:rPr>
-              <a:t>Server: </a:t>
-            </a:r>
-            <a:r>
-              <a:rPr lang="en" sz="1400">
-                <a:solidFill>
-                  <a:srgbClr val="434343"/>
-                </a:solidFill>
-                <a:latin typeface="Calibri"/>
-                <a:ea typeface="Calibri"/>
-                <a:cs typeface="Calibri"/>
-                <a:sym typeface="Calibri"/>
-              </a:rPr>
-              <a:t>a computer or computer program which manages access to a centralized resource or service in a network.</a:t>
-            </a:r>
-            <a:endParaRPr b="1" sz="1400">
-              <a:solidFill>
-                <a:srgbClr val="434343"/>
-              </a:solidFill>
-              <a:latin typeface="Calibri"/>
-              <a:ea typeface="Calibri"/>
-              <a:cs typeface="Calibri"/>
-              <a:sym typeface="Calibri"/>
-            </a:endParaRPr>
-          </a:p>
-          <a:p>
-            <a:pPr indent="0" lvl="0" marL="0" rtl="0" algn="l">
-              <a:spcBef>
-                <a:spcPts val="1600"/>
-              </a:spcBef>
-              <a:spcAft>
-                <a:spcPts val="0"/>
-              </a:spcAft>
-              <a:buNone/>
-            </a:pPr>
-            <a:r>
-              <a:rPr b="1" lang="en" sz="1400">
-                <a:solidFill>
-                  <a:srgbClr val="434343"/>
-                </a:solidFill>
-                <a:latin typeface="Calibri"/>
-                <a:ea typeface="Calibri"/>
-                <a:cs typeface="Calibri"/>
-                <a:sym typeface="Calibri"/>
-              </a:rPr>
-              <a:t>Client: </a:t>
-            </a:r>
-            <a:r>
-              <a:rPr lang="en" sz="1400">
-                <a:solidFill>
-                  <a:srgbClr val="434343"/>
-                </a:solidFill>
-                <a:latin typeface="Calibri"/>
-                <a:ea typeface="Calibri"/>
-                <a:cs typeface="Calibri"/>
-                <a:sym typeface="Calibri"/>
-              </a:rPr>
-              <a:t>a </a:t>
-            </a:r>
-            <a:r>
-              <a:rPr lang="en" sz="1400">
-                <a:solidFill>
-                  <a:srgbClr val="434343"/>
-                </a:solidFill>
-                <a:latin typeface="Calibri"/>
-                <a:ea typeface="Calibri"/>
-                <a:cs typeface="Calibri"/>
-                <a:sym typeface="Calibri"/>
-              </a:rPr>
-              <a:t>person or software who uses the API.</a:t>
-            </a:r>
-            <a:endParaRPr sz="1400">
-              <a:solidFill>
-                <a:srgbClr val="434343"/>
-              </a:solidFill>
-              <a:latin typeface="Calibri"/>
-              <a:ea typeface="Calibri"/>
-              <a:cs typeface="Calibri"/>
-              <a:sym typeface="Calibri"/>
-            </a:endParaRPr>
-          </a:p>
-          <a:p>
-            <a:pPr indent="0" lvl="0" marL="0" rtl="0" algn="l">
-              <a:spcBef>
-                <a:spcPts val="1600"/>
-              </a:spcBef>
-              <a:spcAft>
-                <a:spcPts val="0"/>
-              </a:spcAft>
-              <a:buNone/>
-            </a:pPr>
-            <a:r>
-              <a:rPr b="1" lang="en" sz="1400">
-                <a:solidFill>
-                  <a:srgbClr val="434343"/>
-                </a:solidFill>
-                <a:latin typeface="Calibri"/>
-                <a:ea typeface="Calibri"/>
-                <a:cs typeface="Calibri"/>
-                <a:sym typeface="Calibri"/>
-              </a:rPr>
-              <a:t>Resource:</a:t>
-            </a:r>
-            <a:r>
-              <a:rPr lang="en" sz="1400">
-                <a:solidFill>
-                  <a:srgbClr val="434343"/>
-                </a:solidFill>
-                <a:latin typeface="Calibri"/>
-                <a:ea typeface="Calibri"/>
-                <a:cs typeface="Calibri"/>
-                <a:sym typeface="Calibri"/>
-              </a:rPr>
-              <a:t> </a:t>
-            </a:r>
-            <a:r>
-              <a:rPr lang="en" sz="1400">
-                <a:solidFill>
-                  <a:srgbClr val="434343"/>
-                </a:solidFill>
-                <a:highlight>
-                  <a:srgbClr val="FFFFFF"/>
-                </a:highlight>
-                <a:latin typeface="Calibri"/>
-                <a:ea typeface="Calibri"/>
-                <a:cs typeface="Calibri"/>
-                <a:sym typeface="Calibri"/>
-              </a:rPr>
-              <a:t>can be any object the API can provide information about.</a:t>
-            </a:r>
-            <a:endParaRPr sz="1400">
-              <a:solidFill>
-                <a:srgbClr val="434343"/>
-              </a:solidFill>
-              <a:latin typeface="Calibri"/>
-              <a:ea typeface="Calibri"/>
-              <a:cs typeface="Calibri"/>
-              <a:sym typeface="Calibri"/>
-            </a:endParaRPr>
-          </a:p>
-          <a:p>
-            <a:pPr indent="0" lvl="0" marL="0" rtl="0" algn="l">
-              <a:spcBef>
-                <a:spcPts val="1600"/>
-              </a:spcBef>
-              <a:spcAft>
-                <a:spcPts val="1600"/>
-              </a:spcAft>
-              <a:buNone/>
-            </a:pPr>
-            <a:r>
-              <a:rPr b="1" lang="en" sz="1400">
-                <a:solidFill>
-                  <a:srgbClr val="434343"/>
-                </a:solidFill>
-                <a:latin typeface="Calibri"/>
-                <a:ea typeface="Calibri"/>
-                <a:cs typeface="Calibri"/>
-                <a:sym typeface="Calibri"/>
-              </a:rPr>
-              <a:t>HTTP</a:t>
-            </a:r>
-            <a:r>
-              <a:rPr lang="en" sz="1400">
-                <a:solidFill>
-                  <a:srgbClr val="434343"/>
-                </a:solidFill>
-                <a:latin typeface="Calibri"/>
-                <a:ea typeface="Calibri"/>
-                <a:cs typeface="Calibri"/>
-                <a:sym typeface="Calibri"/>
-              </a:rPr>
-              <a:t> (</a:t>
-            </a:r>
-            <a:r>
-              <a:rPr lang="en" sz="1400">
-                <a:solidFill>
-                  <a:srgbClr val="434343"/>
-                </a:solidFill>
-                <a:highlight>
-                  <a:srgbClr val="FFFFFF"/>
-                </a:highlight>
-                <a:latin typeface="Calibri"/>
-                <a:ea typeface="Calibri"/>
-                <a:cs typeface="Calibri"/>
-                <a:sym typeface="Calibri"/>
-              </a:rPr>
-              <a:t>Hypertext Transfer Protocol): Protocol for communication between servers</a:t>
-            </a:r>
-            <a:endParaRPr b="1" sz="1400" u="sng">
-              <a:solidFill>
-                <a:srgbClr val="434343"/>
-              </a:solidFill>
-              <a:latin typeface="Calibri"/>
-              <a:ea typeface="Calibri"/>
-              <a:cs typeface="Calibri"/>
-              <a:sym typeface="Calibri"/>
-            </a:endParaRPr>
-          </a:p>
-        </p:txBody>
-      </p:sp>
-    </p:spTree>
-  </p:cSld>
-  <p:clrMapOvr>
-    <a:masterClrMapping/>
-  </p:clrMapOvr>
-</p:sld>
-</file>
-
-<file path=ppt/slides/slide17.xml><?xml version="1.0" encoding="utf-8"?>
-<p:sld xmlns:a="http://schemas.openxmlformats.org/drawingml/2006/main" xmlns:r="http://schemas.openxmlformats.org/officeDocument/2006/relationships" xmlns:mc="http://schemas.openxmlformats.org/markup-compatibility/2006" xmlns:mv="urn:schemas-microsoft-com:mac:vml" xmlns:p="http://schemas.openxmlformats.org/presentationml/2006/main" xmlns:c="http://schemas.openxmlformats.org/drawingml/2006/chart" xmlns:dgm="http://schemas.openxmlformats.org/drawingml/2006/diagram" xmlns:o="urn:schemas-microsoft-com:office:office" xmlns:v="urn:schemas-microsoft-com:vml" xmlns:pvml="urn:schemas-microsoft-com:office:powerpoint" xmlns:com="http://schemas.openxmlformats.org/drawingml/2006/compatibility" xmlns:p14="http://schemas.microsoft.com/office/powerpoint/2010/main" xmlns:p15="http://schemas.microsoft.com/office/powerpoint/2012/main">
-  <p:cSld>
-    <p:spTree>
-      <p:nvGrpSpPr>
-        <p:cNvPr id="159" name="Shape 159"/>
-        <p:cNvGrpSpPr/>
-        <p:nvPr/>
-      </p:nvGrpSpPr>
-      <p:grpSpPr>
-        <a:xfrm>
-          <a:off x="0" y="0"/>
-          <a:ext cx="0" cy="0"/>
-          <a:chOff x="0" y="0"/>
-          <a:chExt cx="0" cy="0"/>
-        </a:xfrm>
-      </p:grpSpPr>
-      <p:sp>
-        <p:nvSpPr>
-          <p:cNvPr id="160" name="Google Shape;160;p29"/>
-          <p:cNvSpPr txBox="1"/>
-          <p:nvPr>
-            <p:ph type="ctrTitle"/>
-          </p:nvPr>
-        </p:nvSpPr>
-        <p:spPr>
-          <a:xfrm>
-            <a:off x="311700" y="539725"/>
-            <a:ext cx="8520600" cy="845700"/>
-          </a:xfrm>
-          <a:prstGeom prst="rect">
-            <a:avLst/>
-          </a:prstGeom>
-        </p:spPr>
-        <p:txBody>
-          <a:bodyPr anchorCtr="0" anchor="t" bIns="91425" lIns="91425" spcFirstLastPara="1" rIns="91425" wrap="square" tIns="91425">
-            <a:noAutofit/>
-          </a:bodyPr>
-          <a:lstStyle/>
-          <a:p>
-            <a:pPr indent="0" lvl="0" marL="0" rtl="0" algn="l">
-              <a:spcBef>
-                <a:spcPts val="0"/>
-              </a:spcBef>
-              <a:spcAft>
-                <a:spcPts val="0"/>
-              </a:spcAft>
-              <a:buNone/>
-            </a:pPr>
-            <a:r>
-              <a:rPr lang="en"/>
-              <a:t>Key Idea</a:t>
-            </a:r>
-            <a:endParaRPr/>
-          </a:p>
-        </p:txBody>
-      </p:sp>
-      <p:sp>
-        <p:nvSpPr>
-          <p:cNvPr id="161" name="Google Shape;161;p29"/>
-          <p:cNvSpPr txBox="1"/>
-          <p:nvPr>
-            <p:ph idx="1" type="subTitle"/>
-          </p:nvPr>
-        </p:nvSpPr>
-        <p:spPr>
-          <a:xfrm>
-            <a:off x="311700" y="1484225"/>
-            <a:ext cx="6135900" cy="1233300"/>
-          </a:xfrm>
-          <a:prstGeom prst="rect">
-            <a:avLst/>
-          </a:prstGeom>
-        </p:spPr>
-        <p:txBody>
-          <a:bodyPr anchorCtr="0" anchor="t" bIns="91425" lIns="91425" spcFirstLastPara="1" rIns="91425" wrap="square" tIns="91425">
-            <a:noAutofit/>
-          </a:bodyPr>
-          <a:lstStyle/>
-          <a:p>
-            <a:pPr indent="-330200" lvl="0" marL="457200" rtl="0" algn="l">
-              <a:spcBef>
-                <a:spcPts val="0"/>
-              </a:spcBef>
-              <a:spcAft>
-                <a:spcPts val="0"/>
-              </a:spcAft>
-              <a:buSzPts val="1600"/>
-              <a:buFont typeface="Calibri"/>
-              <a:buChar char="-"/>
-            </a:pPr>
-            <a:r>
-              <a:rPr lang="en">
-                <a:latin typeface="Calibri"/>
-                <a:ea typeface="Calibri"/>
-                <a:cs typeface="Calibri"/>
-                <a:sym typeface="Calibri"/>
-              </a:rPr>
-              <a:t>w</a:t>
-            </a:r>
-            <a:r>
-              <a:rPr lang="en">
-                <a:latin typeface="Calibri"/>
-                <a:ea typeface="Calibri"/>
-                <a:cs typeface="Calibri"/>
-                <a:sym typeface="Calibri"/>
-              </a:rPr>
-              <a:t>hen a REST API is called, the server will </a:t>
-            </a:r>
-            <a:r>
-              <a:rPr lang="en" u="sng">
-                <a:latin typeface="Calibri"/>
-                <a:ea typeface="Calibri"/>
-                <a:cs typeface="Calibri"/>
-                <a:sym typeface="Calibri"/>
-              </a:rPr>
-              <a:t>transfer</a:t>
-            </a:r>
-            <a:r>
-              <a:rPr lang="en">
-                <a:latin typeface="Calibri"/>
-                <a:ea typeface="Calibri"/>
-                <a:cs typeface="Calibri"/>
-                <a:sym typeface="Calibri"/>
-              </a:rPr>
-              <a:t> to the client a </a:t>
-            </a:r>
-            <a:r>
-              <a:rPr lang="en" u="sng">
-                <a:latin typeface="Calibri"/>
-                <a:ea typeface="Calibri"/>
-                <a:cs typeface="Calibri"/>
-                <a:sym typeface="Calibri"/>
-              </a:rPr>
-              <a:t>representation</a:t>
-            </a:r>
-            <a:r>
-              <a:rPr lang="en">
-                <a:latin typeface="Calibri"/>
-                <a:ea typeface="Calibri"/>
-                <a:cs typeface="Calibri"/>
-                <a:sym typeface="Calibri"/>
-              </a:rPr>
-              <a:t> of the </a:t>
-            </a:r>
-            <a:r>
-              <a:rPr lang="en" u="sng">
-                <a:latin typeface="Calibri"/>
-                <a:ea typeface="Calibri"/>
-                <a:cs typeface="Calibri"/>
-                <a:sym typeface="Calibri"/>
-              </a:rPr>
-              <a:t>state</a:t>
-            </a:r>
-            <a:r>
-              <a:rPr lang="en">
-                <a:latin typeface="Calibri"/>
-                <a:ea typeface="Calibri"/>
-                <a:cs typeface="Calibri"/>
-                <a:sym typeface="Calibri"/>
-              </a:rPr>
-              <a:t> of the requested resource.</a:t>
-            </a:r>
-            <a:endParaRPr>
-              <a:latin typeface="Calibri"/>
-              <a:ea typeface="Calibri"/>
-              <a:cs typeface="Calibri"/>
-              <a:sym typeface="Calibri"/>
-            </a:endParaRPr>
-          </a:p>
-        </p:txBody>
-      </p:sp>
-      <p:pic>
-        <p:nvPicPr>
-          <p:cNvPr id="162" name="Google Shape;162;p29"/>
-          <p:cNvPicPr preferRelativeResize="0"/>
-          <p:nvPr/>
-        </p:nvPicPr>
-        <p:blipFill>
-          <a:blip r:embed="rId3">
-            <a:alphaModFix/>
-          </a:blip>
-          <a:stretch>
-            <a:fillRect/>
-          </a:stretch>
-        </p:blipFill>
-        <p:spPr>
-          <a:xfrm>
-            <a:off x="6206325" y="2902125"/>
-            <a:ext cx="2522950" cy="1904325"/>
-          </a:xfrm>
-          <a:prstGeom prst="rect">
-            <a:avLst/>
-          </a:prstGeom>
-          <a:noFill/>
-          <a:ln>
-            <a:noFill/>
-          </a:ln>
-        </p:spPr>
-      </p:pic>
-    </p:spTree>
-  </p:cSld>
-  <p:clrMapOvr>
-    <a:masterClrMapping/>
-  </p:clrMapOvr>
-</p:sld>
-</file>
-
-<file path=ppt/slides/slide18.xml><?xml version="1.0" encoding="utf-8"?>
-<p:sld xmlns:a="http://schemas.openxmlformats.org/drawingml/2006/main" xmlns:r="http://schemas.openxmlformats.org/officeDocument/2006/relationships" xmlns:mc="http://schemas.openxmlformats.org/markup-compatibility/2006" xmlns:mv="urn:schemas-microsoft-com:mac:vml" xmlns:p="http://schemas.openxmlformats.org/presentationml/2006/main" xmlns:c="http://schemas.openxmlformats.org/drawingml/2006/chart" xmlns:dgm="http://schemas.openxmlformats.org/drawingml/2006/diagram" xmlns:o="urn:schemas-microsoft-com:office:office" xmlns:v="urn:schemas-microsoft-com:vml" xmlns:pvml="urn:schemas-microsoft-com:office:powerpoint" xmlns:com="http://schemas.openxmlformats.org/drawingml/2006/compatibility" xmlns:p14="http://schemas.microsoft.com/office/powerpoint/2010/main" xmlns:p15="http://schemas.microsoft.com/office/powerpoint/2012/main">
-  <p:cSld>
-    <p:spTree>
-      <p:nvGrpSpPr>
-        <p:cNvPr id="166" name="Shape 166"/>
-        <p:cNvGrpSpPr/>
-        <p:nvPr/>
-      </p:nvGrpSpPr>
-      <p:grpSpPr>
-        <a:xfrm>
-          <a:off x="0" y="0"/>
-          <a:ext cx="0" cy="0"/>
-          <a:chOff x="0" y="0"/>
-          <a:chExt cx="0" cy="0"/>
-        </a:xfrm>
-      </p:grpSpPr>
-      <p:sp>
-        <p:nvSpPr>
-          <p:cNvPr id="167" name="Google Shape;167;p30"/>
-          <p:cNvSpPr txBox="1"/>
-          <p:nvPr>
-            <p:ph type="title"/>
-          </p:nvPr>
-        </p:nvSpPr>
-        <p:spPr>
-          <a:xfrm>
-            <a:off x="311725" y="500925"/>
-            <a:ext cx="8520600" cy="623700"/>
-          </a:xfrm>
-          <a:prstGeom prst="rect">
-            <a:avLst/>
-          </a:prstGeom>
-        </p:spPr>
-        <p:txBody>
-          <a:bodyPr anchorCtr="0" anchor="t" bIns="91425" lIns="91425" spcFirstLastPara="1" rIns="91425" wrap="square" tIns="91425">
-            <a:noAutofit/>
-          </a:bodyPr>
-          <a:lstStyle/>
-          <a:p>
-            <a:pPr indent="0" lvl="0" marL="0" rtl="0" algn="l">
-              <a:spcBef>
-                <a:spcPts val="0"/>
-              </a:spcBef>
-              <a:spcAft>
-                <a:spcPts val="0"/>
-              </a:spcAft>
-              <a:buNone/>
-            </a:pPr>
-            <a:r>
-              <a:rPr lang="en"/>
-              <a:t>Types of HTTP methods</a:t>
-            </a:r>
-            <a:endParaRPr/>
-          </a:p>
-          <a:p>
-            <a:pPr indent="0" lvl="0" marL="0" rtl="0" algn="l">
-              <a:spcBef>
-                <a:spcPts val="0"/>
-              </a:spcBef>
-              <a:spcAft>
-                <a:spcPts val="0"/>
-              </a:spcAft>
-              <a:buNone/>
-            </a:pPr>
-            <a:r>
-              <a:t/>
-            </a:r>
-            <a:endParaRPr/>
-          </a:p>
-          <a:p>
-            <a:pPr indent="0" lvl="0" marL="0" rtl="0" algn="l">
-              <a:spcBef>
-                <a:spcPts val="0"/>
-              </a:spcBef>
-              <a:spcAft>
-                <a:spcPts val="0"/>
-              </a:spcAft>
-              <a:buNone/>
-            </a:pPr>
-            <a:r>
-              <a:t/>
-            </a:r>
-            <a:endParaRPr/>
-          </a:p>
-        </p:txBody>
-      </p:sp>
-      <p:sp>
-        <p:nvSpPr>
-          <p:cNvPr id="168" name="Google Shape;168;p30"/>
-          <p:cNvSpPr txBox="1"/>
-          <p:nvPr>
-            <p:ph idx="4294967295" type="subTitle"/>
-          </p:nvPr>
-        </p:nvSpPr>
-        <p:spPr>
-          <a:xfrm>
-            <a:off x="386300" y="1811750"/>
-            <a:ext cx="7755900" cy="3005400"/>
-          </a:xfrm>
-          <a:prstGeom prst="rect">
-            <a:avLst/>
-          </a:prstGeom>
-        </p:spPr>
-        <p:txBody>
-          <a:bodyPr anchorCtr="0" anchor="t" bIns="91425" lIns="91425" spcFirstLastPara="1" rIns="91425" wrap="square" tIns="91425">
-            <a:noAutofit/>
-          </a:bodyPr>
-          <a:lstStyle/>
-          <a:p>
-            <a:pPr indent="0" lvl="0" marL="0" rtl="0" algn="l">
-              <a:spcBef>
-                <a:spcPts val="0"/>
-              </a:spcBef>
-              <a:spcAft>
-                <a:spcPts val="0"/>
-              </a:spcAft>
-              <a:buNone/>
-            </a:pPr>
-            <a:r>
-              <a:rPr b="1" i="1" lang="en">
-                <a:solidFill>
-                  <a:srgbClr val="000000"/>
-                </a:solidFill>
-                <a:highlight>
-                  <a:srgbClr val="FFFFFF"/>
-                </a:highlight>
-                <a:latin typeface="Calibri"/>
-                <a:ea typeface="Calibri"/>
-                <a:cs typeface="Calibri"/>
-                <a:sym typeface="Calibri"/>
-              </a:rPr>
-              <a:t>GET</a:t>
-            </a:r>
-            <a:r>
-              <a:rPr i="1" lang="en">
-                <a:solidFill>
-                  <a:srgbClr val="000000"/>
-                </a:solidFill>
-                <a:highlight>
-                  <a:srgbClr val="FFFFFF"/>
-                </a:highlight>
-                <a:latin typeface="Calibri"/>
-                <a:ea typeface="Calibri"/>
-                <a:cs typeface="Calibri"/>
-                <a:sym typeface="Calibri"/>
-              </a:rPr>
-              <a:t> - </a:t>
-            </a:r>
-            <a:r>
-              <a:rPr lang="en">
-                <a:solidFill>
-                  <a:srgbClr val="000000"/>
-                </a:solidFill>
-                <a:highlight>
-                  <a:srgbClr val="FFFFFF"/>
-                </a:highlight>
-                <a:latin typeface="Calibri"/>
-                <a:ea typeface="Calibri"/>
-                <a:cs typeface="Calibri"/>
-                <a:sym typeface="Calibri"/>
-              </a:rPr>
-              <a:t>Retrieves resource from the server (should only retrieve resource and should have no other effect).</a:t>
-            </a:r>
-            <a:endParaRPr>
-              <a:solidFill>
-                <a:srgbClr val="000000"/>
-              </a:solidFill>
-              <a:highlight>
-                <a:srgbClr val="FFFFFF"/>
-              </a:highlight>
-              <a:latin typeface="Calibri"/>
-              <a:ea typeface="Calibri"/>
-              <a:cs typeface="Calibri"/>
-              <a:sym typeface="Calibri"/>
-            </a:endParaRPr>
-          </a:p>
-          <a:p>
-            <a:pPr indent="0" lvl="0" marL="0" rtl="0" algn="l">
-              <a:spcBef>
-                <a:spcPts val="1600"/>
-              </a:spcBef>
-              <a:spcAft>
-                <a:spcPts val="0"/>
-              </a:spcAft>
-              <a:buNone/>
-            </a:pPr>
-            <a:r>
-              <a:rPr b="1" i="1" lang="en">
-                <a:solidFill>
-                  <a:srgbClr val="000000"/>
-                </a:solidFill>
-                <a:highlight>
-                  <a:srgbClr val="FFFFFF"/>
-                </a:highlight>
-                <a:latin typeface="Calibri"/>
-                <a:ea typeface="Calibri"/>
-                <a:cs typeface="Calibri"/>
-                <a:sym typeface="Calibri"/>
-              </a:rPr>
-              <a:t>POST</a:t>
-            </a:r>
-            <a:r>
-              <a:rPr i="1" lang="en">
-                <a:solidFill>
-                  <a:srgbClr val="000000"/>
-                </a:solidFill>
-                <a:highlight>
-                  <a:srgbClr val="FFFFFF"/>
-                </a:highlight>
-                <a:latin typeface="Calibri"/>
-                <a:ea typeface="Calibri"/>
-                <a:cs typeface="Calibri"/>
-                <a:sym typeface="Calibri"/>
-              </a:rPr>
-              <a:t> - </a:t>
-            </a:r>
-            <a:r>
-              <a:rPr lang="en">
-                <a:solidFill>
-                  <a:srgbClr val="000000"/>
-                </a:solidFill>
-                <a:highlight>
-                  <a:srgbClr val="FFFFFF"/>
-                </a:highlight>
-                <a:latin typeface="Calibri"/>
-                <a:ea typeface="Calibri"/>
-                <a:cs typeface="Calibri"/>
-                <a:sym typeface="Calibri"/>
-              </a:rPr>
-              <a:t>This HTTP request type is usually used for creating an entity i.e. a resource without an id. Once the request is successfully created, an id of the newly created resource is returned as part of the response to this HTTP request.</a:t>
-            </a:r>
-            <a:endParaRPr>
-              <a:solidFill>
-                <a:srgbClr val="000000"/>
-              </a:solidFill>
-              <a:highlight>
-                <a:srgbClr val="FFFFFF"/>
-              </a:highlight>
-              <a:latin typeface="Calibri"/>
-              <a:ea typeface="Calibri"/>
-              <a:cs typeface="Calibri"/>
-              <a:sym typeface="Calibri"/>
-            </a:endParaRPr>
-          </a:p>
-          <a:p>
-            <a:pPr indent="0" lvl="0" marL="0" rtl="0" algn="l">
-              <a:spcBef>
-                <a:spcPts val="1600"/>
-              </a:spcBef>
-              <a:spcAft>
-                <a:spcPts val="0"/>
-              </a:spcAft>
-              <a:buNone/>
-            </a:pPr>
-            <a:r>
-              <a:rPr b="1" i="1" lang="en">
-                <a:solidFill>
-                  <a:srgbClr val="000000"/>
-                </a:solidFill>
-                <a:highlight>
-                  <a:srgbClr val="FFFFFF"/>
-                </a:highlight>
-                <a:latin typeface="Calibri"/>
-                <a:ea typeface="Calibri"/>
-                <a:cs typeface="Calibri"/>
-                <a:sym typeface="Calibri"/>
-              </a:rPr>
-              <a:t>PUT - </a:t>
-            </a:r>
-            <a:r>
-              <a:rPr lang="en">
-                <a:solidFill>
-                  <a:srgbClr val="000000"/>
-                </a:solidFill>
-                <a:highlight>
-                  <a:srgbClr val="FFFFFF"/>
-                </a:highlight>
-                <a:latin typeface="Calibri"/>
-                <a:ea typeface="Calibri"/>
-                <a:cs typeface="Calibri"/>
-                <a:sym typeface="Calibri"/>
-              </a:rPr>
-              <a:t>Similar to POST, but used to update an existing resource. You pass the id of existing resource along with the request.</a:t>
-            </a:r>
-            <a:endParaRPr>
-              <a:solidFill>
-                <a:srgbClr val="000000"/>
-              </a:solidFill>
-              <a:highlight>
-                <a:srgbClr val="FFFFFF"/>
-              </a:highlight>
-              <a:latin typeface="Calibri"/>
-              <a:ea typeface="Calibri"/>
-              <a:cs typeface="Calibri"/>
-              <a:sym typeface="Calibri"/>
-            </a:endParaRPr>
-          </a:p>
-          <a:p>
-            <a:pPr indent="0" lvl="0" marL="0" rtl="0" algn="l">
-              <a:spcBef>
-                <a:spcPts val="1600"/>
-              </a:spcBef>
-              <a:spcAft>
-                <a:spcPts val="0"/>
-              </a:spcAft>
-              <a:buNone/>
-            </a:pPr>
-            <a:r>
-              <a:rPr b="1" i="1" lang="en">
-                <a:solidFill>
-                  <a:srgbClr val="000000"/>
-                </a:solidFill>
-                <a:highlight>
-                  <a:srgbClr val="FFFFFF"/>
-                </a:highlight>
-                <a:latin typeface="Calibri"/>
-                <a:ea typeface="Calibri"/>
-                <a:cs typeface="Calibri"/>
-                <a:sym typeface="Calibri"/>
-              </a:rPr>
-              <a:t>PATCH</a:t>
-            </a:r>
-            <a:r>
-              <a:rPr lang="en">
-                <a:solidFill>
-                  <a:srgbClr val="000000"/>
-                </a:solidFill>
-                <a:highlight>
-                  <a:srgbClr val="FFFFFF"/>
-                </a:highlight>
-                <a:latin typeface="Calibri"/>
-                <a:ea typeface="Calibri"/>
-                <a:cs typeface="Calibri"/>
-                <a:sym typeface="Calibri"/>
-              </a:rPr>
-              <a:t> </a:t>
-            </a:r>
-            <a:r>
-              <a:rPr i="1" lang="en">
-                <a:solidFill>
-                  <a:srgbClr val="000000"/>
-                </a:solidFill>
-                <a:highlight>
-                  <a:srgbClr val="FFFFFF"/>
-                </a:highlight>
-                <a:latin typeface="Calibri"/>
-                <a:ea typeface="Calibri"/>
-                <a:cs typeface="Calibri"/>
-                <a:sym typeface="Calibri"/>
-              </a:rPr>
-              <a:t>-</a:t>
-            </a:r>
-            <a:r>
-              <a:rPr lang="en">
-                <a:solidFill>
-                  <a:srgbClr val="000000"/>
-                </a:solidFill>
-                <a:highlight>
-                  <a:srgbClr val="FFFFFF"/>
-                </a:highlight>
-                <a:latin typeface="Calibri"/>
-                <a:ea typeface="Calibri"/>
-                <a:cs typeface="Calibri"/>
-                <a:sym typeface="Calibri"/>
-              </a:rPr>
-              <a:t> Applies partial modifications to a resource.</a:t>
-            </a:r>
-            <a:endParaRPr>
-              <a:solidFill>
-                <a:srgbClr val="000000"/>
-              </a:solidFill>
-              <a:highlight>
-                <a:srgbClr val="FFFFFF"/>
-              </a:highlight>
-              <a:latin typeface="Calibri"/>
-              <a:ea typeface="Calibri"/>
-              <a:cs typeface="Calibri"/>
-              <a:sym typeface="Calibri"/>
-            </a:endParaRPr>
-          </a:p>
-          <a:p>
-            <a:pPr indent="0" lvl="0" marL="0" rtl="0" algn="l">
-              <a:spcBef>
-                <a:spcPts val="1600"/>
-              </a:spcBef>
-              <a:spcAft>
-                <a:spcPts val="1600"/>
-              </a:spcAft>
-              <a:buNone/>
-            </a:pPr>
-            <a:r>
-              <a:rPr b="1" i="1" lang="en">
-                <a:solidFill>
-                  <a:srgbClr val="000000"/>
-                </a:solidFill>
-                <a:highlight>
-                  <a:srgbClr val="FFFFFF"/>
-                </a:highlight>
-                <a:latin typeface="Calibri"/>
-                <a:ea typeface="Calibri"/>
-                <a:cs typeface="Calibri"/>
-                <a:sym typeface="Calibri"/>
-              </a:rPr>
-              <a:t>DELETE - </a:t>
-            </a:r>
-            <a:r>
-              <a:rPr lang="en">
-                <a:solidFill>
-                  <a:srgbClr val="000000"/>
-                </a:solidFill>
-                <a:highlight>
-                  <a:srgbClr val="FFFFFF"/>
-                </a:highlight>
-                <a:latin typeface="Calibri"/>
-                <a:ea typeface="Calibri"/>
-                <a:cs typeface="Calibri"/>
-                <a:sym typeface="Calibri"/>
-              </a:rPr>
-              <a:t>Removes the resource from the server. You need to pass the id of the resource to be deleted.</a:t>
-            </a:r>
-            <a:endParaRPr>
-              <a:solidFill>
-                <a:srgbClr val="000000"/>
-              </a:solidFill>
-              <a:highlight>
-                <a:srgbClr val="FFFFFF"/>
-              </a:highlight>
-              <a:latin typeface="Calibri"/>
-              <a:ea typeface="Calibri"/>
-              <a:cs typeface="Calibri"/>
-              <a:sym typeface="Calibri"/>
-            </a:endParaRPr>
-          </a:p>
-        </p:txBody>
-      </p:sp>
-    </p:spTree>
-  </p:cSld>
-  <p:clrMapOvr>
-    <a:masterClrMapping/>
-  </p:clrMapOvr>
-</p:sld>
-</file>
-
-<file path=ppt/slides/slide19.xml><?xml version="1.0" encoding="utf-8"?>
-<p:sld xmlns:a="http://schemas.openxmlformats.org/drawingml/2006/main" xmlns:r="http://schemas.openxmlformats.org/officeDocument/2006/relationships" xmlns:mc="http://schemas.openxmlformats.org/markup-compatibility/2006" xmlns:mv="urn:schemas-microsoft-com:mac:vml" xmlns:p="http://schemas.openxmlformats.org/presentationml/2006/main" xmlns:c="http://schemas.openxmlformats.org/drawingml/2006/chart" xmlns:dgm="http://schemas.openxmlformats.org/drawingml/2006/diagram" xmlns:o="urn:schemas-microsoft-com:office:office" xmlns:v="urn:schemas-microsoft-com:vml" xmlns:pvml="urn:schemas-microsoft-com:office:powerpoint" xmlns:com="http://schemas.openxmlformats.org/drawingml/2006/compatibility" xmlns:p14="http://schemas.microsoft.com/office/powerpoint/2010/main" xmlns:p15="http://schemas.microsoft.com/office/powerpoint/2012/main">
-  <p:cSld>
-    <p:spTree>
-      <p:nvGrpSpPr>
-        <p:cNvPr id="172" name="Shape 172"/>
-        <p:cNvGrpSpPr/>
-        <p:nvPr/>
-      </p:nvGrpSpPr>
-      <p:grpSpPr>
-        <a:xfrm>
-          <a:off x="0" y="0"/>
-          <a:ext cx="0" cy="0"/>
-          <a:chOff x="0" y="0"/>
-          <a:chExt cx="0" cy="0"/>
-        </a:xfrm>
-      </p:grpSpPr>
-      <p:sp>
-        <p:nvSpPr>
-          <p:cNvPr id="173" name="Google Shape;173;p31"/>
-          <p:cNvSpPr txBox="1"/>
-          <p:nvPr>
-            <p:ph type="title"/>
-          </p:nvPr>
-        </p:nvSpPr>
-        <p:spPr>
-          <a:xfrm>
-            <a:off x="311675" y="798600"/>
-            <a:ext cx="6247800" cy="3546300"/>
-          </a:xfrm>
-          <a:prstGeom prst="rect">
-            <a:avLst/>
-          </a:prstGeom>
-        </p:spPr>
-        <p:txBody>
-          <a:bodyPr anchorCtr="0" anchor="ctr" bIns="91425" lIns="91425" spcFirstLastPara="1" rIns="91425" wrap="square" tIns="91425">
-            <a:noAutofit/>
-          </a:bodyPr>
-          <a:lstStyle/>
-          <a:p>
-            <a:pPr indent="0" lvl="0" marL="0" rtl="0" algn="l">
-              <a:spcBef>
-                <a:spcPts val="0"/>
-              </a:spcBef>
-              <a:spcAft>
-                <a:spcPts val="0"/>
-              </a:spcAft>
-              <a:buNone/>
-            </a:pPr>
-            <a:r>
-              <a:rPr lang="en"/>
-              <a:t>Let’s implement our first RESTful API endpoints</a:t>
+              <a:t>See you next week!</a:t>
             </a:r>
             <a:endParaRPr/>
           </a:p>
@@ -11501,551 +9351,6 @@
               <a:t>and thank you very much for coming!</a:t>
             </a:r>
             <a:endParaRPr>
-              <a:latin typeface="Calibri"/>
-              <a:ea typeface="Calibri"/>
-              <a:cs typeface="Calibri"/>
-              <a:sym typeface="Calibri"/>
-            </a:endParaRPr>
-          </a:p>
-        </p:txBody>
-      </p:sp>
-    </p:spTree>
-  </p:cSld>
-  <p:clrMapOvr>
-    <a:masterClrMapping/>
-  </p:clrMapOvr>
-</p:sld>
-</file>
-
-<file path=ppt/slides/slide20.xml><?xml version="1.0" encoding="utf-8"?>
-<p:sld xmlns:a="http://schemas.openxmlformats.org/drawingml/2006/main" xmlns:r="http://schemas.openxmlformats.org/officeDocument/2006/relationships" xmlns:mc="http://schemas.openxmlformats.org/markup-compatibility/2006" xmlns:mv="urn:schemas-microsoft-com:mac:vml" xmlns:p="http://schemas.openxmlformats.org/presentationml/2006/main" xmlns:c="http://schemas.openxmlformats.org/drawingml/2006/chart" xmlns:dgm="http://schemas.openxmlformats.org/drawingml/2006/diagram" xmlns:o="urn:schemas-microsoft-com:office:office" xmlns:v="urn:schemas-microsoft-com:vml" xmlns:pvml="urn:schemas-microsoft-com:office:powerpoint" xmlns:com="http://schemas.openxmlformats.org/drawingml/2006/compatibility" xmlns:p14="http://schemas.microsoft.com/office/powerpoint/2010/main" xmlns:p15="http://schemas.microsoft.com/office/powerpoint/2012/main">
-  <p:cSld>
-    <p:spTree>
-      <p:nvGrpSpPr>
-        <p:cNvPr id="177" name="Shape 177"/>
-        <p:cNvGrpSpPr/>
-        <p:nvPr/>
-      </p:nvGrpSpPr>
-      <p:grpSpPr>
-        <a:xfrm>
-          <a:off x="0" y="0"/>
-          <a:ext cx="0" cy="0"/>
-          <a:chOff x="0" y="0"/>
-          <a:chExt cx="0" cy="0"/>
-        </a:xfrm>
-      </p:grpSpPr>
-      <p:sp>
-        <p:nvSpPr>
-          <p:cNvPr id="178" name="Google Shape;178;p32"/>
-          <p:cNvSpPr txBox="1"/>
-          <p:nvPr>
-            <p:ph type="ctrTitle"/>
-          </p:nvPr>
-        </p:nvSpPr>
-        <p:spPr>
-          <a:xfrm>
-            <a:off x="311700" y="539725"/>
-            <a:ext cx="8520600" cy="738300"/>
-          </a:xfrm>
-          <a:prstGeom prst="rect">
-            <a:avLst/>
-          </a:prstGeom>
-        </p:spPr>
-        <p:txBody>
-          <a:bodyPr anchorCtr="0" anchor="t" bIns="91425" lIns="91425" spcFirstLastPara="1" rIns="91425" wrap="square" tIns="91425">
-            <a:noAutofit/>
-          </a:bodyPr>
-          <a:lstStyle/>
-          <a:p>
-            <a:pPr indent="0" lvl="0" marL="0" rtl="0" algn="l">
-              <a:spcBef>
-                <a:spcPts val="0"/>
-              </a:spcBef>
-              <a:spcAft>
-                <a:spcPts val="0"/>
-              </a:spcAft>
-              <a:buNone/>
-            </a:pPr>
-            <a:r>
-              <a:rPr lang="en"/>
-              <a:t>Review</a:t>
-            </a:r>
-            <a:endParaRPr/>
-          </a:p>
-        </p:txBody>
-      </p:sp>
-      <p:sp>
-        <p:nvSpPr>
-          <p:cNvPr id="179" name="Google Shape;179;p32"/>
-          <p:cNvSpPr txBox="1"/>
-          <p:nvPr/>
-        </p:nvSpPr>
-        <p:spPr>
-          <a:xfrm>
-            <a:off x="371050" y="1324075"/>
-            <a:ext cx="4008600" cy="1549500"/>
-          </a:xfrm>
-          <a:prstGeom prst="rect">
-            <a:avLst/>
-          </a:prstGeom>
-          <a:noFill/>
-          <a:ln>
-            <a:noFill/>
-          </a:ln>
-        </p:spPr>
-        <p:txBody>
-          <a:bodyPr anchorCtr="0" anchor="t" bIns="91425" lIns="91425" spcFirstLastPara="1" rIns="91425" wrap="square" tIns="91425">
-            <a:noAutofit/>
-          </a:bodyPr>
-          <a:lstStyle/>
-          <a:p>
-            <a:pPr indent="0" lvl="0" marL="0" rtl="0" algn="l">
-              <a:spcBef>
-                <a:spcPts val="0"/>
-              </a:spcBef>
-              <a:spcAft>
-                <a:spcPts val="0"/>
-              </a:spcAft>
-              <a:buNone/>
-            </a:pPr>
-            <a:r>
-              <a:rPr lang="en" sz="1600">
-                <a:solidFill>
-                  <a:schemeClr val="lt2"/>
-                </a:solidFill>
-                <a:latin typeface="Calibri"/>
-                <a:ea typeface="Calibri"/>
-                <a:cs typeface="Calibri"/>
-                <a:sym typeface="Calibri"/>
-              </a:rPr>
-              <a:t>We have learned about:</a:t>
-            </a:r>
-            <a:endParaRPr sz="1600">
-              <a:solidFill>
-                <a:schemeClr val="lt2"/>
-              </a:solidFill>
-              <a:latin typeface="Calibri"/>
-              <a:ea typeface="Calibri"/>
-              <a:cs typeface="Calibri"/>
-              <a:sym typeface="Calibri"/>
-            </a:endParaRPr>
-          </a:p>
-          <a:p>
-            <a:pPr indent="-330200" lvl="0" marL="457200" rtl="0" algn="l">
-              <a:spcBef>
-                <a:spcPts val="0"/>
-              </a:spcBef>
-              <a:spcAft>
-                <a:spcPts val="0"/>
-              </a:spcAft>
-              <a:buClr>
-                <a:schemeClr val="lt2"/>
-              </a:buClr>
-              <a:buSzPts val="1600"/>
-              <a:buFont typeface="Calibri"/>
-              <a:buChar char="-"/>
-            </a:pPr>
-            <a:r>
-              <a:rPr lang="en" sz="1600">
-                <a:solidFill>
-                  <a:schemeClr val="lt2"/>
-                </a:solidFill>
-                <a:latin typeface="Calibri"/>
-                <a:ea typeface="Calibri"/>
-                <a:cs typeface="Calibri"/>
-                <a:sym typeface="Calibri"/>
-              </a:rPr>
-              <a:t>REST </a:t>
-            </a:r>
-            <a:r>
-              <a:rPr lang="en" sz="1600">
-                <a:solidFill>
-                  <a:schemeClr val="lt2"/>
-                </a:solidFill>
-                <a:latin typeface="Calibri"/>
-                <a:ea typeface="Calibri"/>
-                <a:cs typeface="Calibri"/>
-                <a:sym typeface="Calibri"/>
-              </a:rPr>
-              <a:t>architecture</a:t>
-            </a:r>
-            <a:endParaRPr sz="1600">
-              <a:solidFill>
-                <a:schemeClr val="lt2"/>
-              </a:solidFill>
-              <a:latin typeface="Calibri"/>
-              <a:ea typeface="Calibri"/>
-              <a:cs typeface="Calibri"/>
-              <a:sym typeface="Calibri"/>
-            </a:endParaRPr>
-          </a:p>
-          <a:p>
-            <a:pPr indent="-330200" lvl="0" marL="457200" rtl="0" algn="l">
-              <a:spcBef>
-                <a:spcPts val="0"/>
-              </a:spcBef>
-              <a:spcAft>
-                <a:spcPts val="0"/>
-              </a:spcAft>
-              <a:buClr>
-                <a:schemeClr val="lt2"/>
-              </a:buClr>
-              <a:buSzPts val="1600"/>
-              <a:buFont typeface="Calibri"/>
-              <a:buChar char="-"/>
-            </a:pPr>
-            <a:r>
-              <a:rPr lang="en" sz="1600">
-                <a:solidFill>
-                  <a:schemeClr val="lt2"/>
-                </a:solidFill>
-                <a:latin typeface="Calibri"/>
-                <a:ea typeface="Calibri"/>
-                <a:cs typeface="Calibri"/>
-                <a:sym typeface="Calibri"/>
-              </a:rPr>
-              <a:t>initialized our project</a:t>
-            </a:r>
-            <a:endParaRPr sz="1600">
-              <a:solidFill>
-                <a:schemeClr val="lt2"/>
-              </a:solidFill>
-              <a:latin typeface="Calibri"/>
-              <a:ea typeface="Calibri"/>
-              <a:cs typeface="Calibri"/>
-              <a:sym typeface="Calibri"/>
-            </a:endParaRPr>
-          </a:p>
-          <a:p>
-            <a:pPr indent="-330200" lvl="0" marL="457200" rtl="0" algn="l">
-              <a:spcBef>
-                <a:spcPts val="0"/>
-              </a:spcBef>
-              <a:spcAft>
-                <a:spcPts val="0"/>
-              </a:spcAft>
-              <a:buClr>
-                <a:schemeClr val="lt2"/>
-              </a:buClr>
-              <a:buSzPts val="1600"/>
-              <a:buFont typeface="Calibri"/>
-              <a:buChar char="-"/>
-            </a:pPr>
-            <a:r>
-              <a:rPr lang="en" sz="1600">
-                <a:solidFill>
-                  <a:schemeClr val="lt2"/>
-                </a:solidFill>
-                <a:latin typeface="Calibri"/>
-                <a:ea typeface="Calibri"/>
-                <a:cs typeface="Calibri"/>
-                <a:sym typeface="Calibri"/>
-              </a:rPr>
-              <a:t>s</a:t>
-            </a:r>
-            <a:r>
-              <a:rPr lang="en" sz="1600">
-                <a:solidFill>
-                  <a:schemeClr val="lt2"/>
-                </a:solidFill>
-                <a:latin typeface="Calibri"/>
-                <a:ea typeface="Calibri"/>
-                <a:cs typeface="Calibri"/>
-                <a:sym typeface="Calibri"/>
-              </a:rPr>
-              <a:t>etup express.js</a:t>
-            </a:r>
-            <a:endParaRPr sz="1600">
-              <a:solidFill>
-                <a:schemeClr val="lt2"/>
-              </a:solidFill>
-              <a:latin typeface="Calibri"/>
-              <a:ea typeface="Calibri"/>
-              <a:cs typeface="Calibri"/>
-              <a:sym typeface="Calibri"/>
-            </a:endParaRPr>
-          </a:p>
-          <a:p>
-            <a:pPr indent="-330200" lvl="0" marL="457200" rtl="0" algn="l">
-              <a:spcBef>
-                <a:spcPts val="0"/>
-              </a:spcBef>
-              <a:spcAft>
-                <a:spcPts val="0"/>
-              </a:spcAft>
-              <a:buClr>
-                <a:schemeClr val="lt2"/>
-              </a:buClr>
-              <a:buSzPts val="1600"/>
-              <a:buFont typeface="Calibri"/>
-              <a:buChar char="-"/>
-            </a:pPr>
-            <a:r>
-              <a:rPr lang="en" sz="1600">
-                <a:solidFill>
-                  <a:schemeClr val="lt2"/>
-                </a:solidFill>
-                <a:latin typeface="Calibri"/>
-                <a:ea typeface="Calibri"/>
-                <a:cs typeface="Calibri"/>
-                <a:sym typeface="Calibri"/>
-              </a:rPr>
-              <a:t>made our first REST API calls</a:t>
-            </a:r>
-            <a:endParaRPr sz="1600">
-              <a:solidFill>
-                <a:schemeClr val="lt2"/>
-              </a:solidFill>
-              <a:latin typeface="Calibri"/>
-              <a:ea typeface="Calibri"/>
-              <a:cs typeface="Calibri"/>
-              <a:sym typeface="Calibri"/>
-            </a:endParaRPr>
-          </a:p>
-        </p:txBody>
-      </p:sp>
-    </p:spTree>
-  </p:cSld>
-  <p:clrMapOvr>
-    <a:masterClrMapping/>
-  </p:clrMapOvr>
-</p:sld>
-</file>
-
-<file path=ppt/slides/slide21.xml><?xml version="1.0" encoding="utf-8"?>
-<p:sld xmlns:a="http://schemas.openxmlformats.org/drawingml/2006/main" xmlns:r="http://schemas.openxmlformats.org/officeDocument/2006/relationships" xmlns:mc="http://schemas.openxmlformats.org/markup-compatibility/2006" xmlns:mv="urn:schemas-microsoft-com:mac:vml" xmlns:p="http://schemas.openxmlformats.org/presentationml/2006/main" xmlns:c="http://schemas.openxmlformats.org/drawingml/2006/chart" xmlns:dgm="http://schemas.openxmlformats.org/drawingml/2006/diagram" xmlns:o="urn:schemas-microsoft-com:office:office" xmlns:v="urn:schemas-microsoft-com:vml" xmlns:pvml="urn:schemas-microsoft-com:office:powerpoint" xmlns:com="http://schemas.openxmlformats.org/drawingml/2006/compatibility" xmlns:p14="http://schemas.microsoft.com/office/powerpoint/2010/main" xmlns:p15="http://schemas.microsoft.com/office/powerpoint/2012/main">
-  <p:cSld>
-    <p:spTree>
-      <p:nvGrpSpPr>
-        <p:cNvPr id="183" name="Shape 183"/>
-        <p:cNvGrpSpPr/>
-        <p:nvPr/>
-      </p:nvGrpSpPr>
-      <p:grpSpPr>
-        <a:xfrm>
-          <a:off x="0" y="0"/>
-          <a:ext cx="0" cy="0"/>
-          <a:chOff x="0" y="0"/>
-          <a:chExt cx="0" cy="0"/>
-        </a:xfrm>
-      </p:grpSpPr>
-      <p:sp>
-        <p:nvSpPr>
-          <p:cNvPr id="184" name="Google Shape;184;p33"/>
-          <p:cNvSpPr txBox="1"/>
-          <p:nvPr>
-            <p:ph type="ctrTitle"/>
-          </p:nvPr>
-        </p:nvSpPr>
-        <p:spPr>
-          <a:xfrm>
-            <a:off x="311700" y="539725"/>
-            <a:ext cx="8520600" cy="1282500"/>
-          </a:xfrm>
-          <a:prstGeom prst="rect">
-            <a:avLst/>
-          </a:prstGeom>
-        </p:spPr>
-        <p:txBody>
-          <a:bodyPr anchorCtr="0" anchor="t" bIns="91425" lIns="91425" spcFirstLastPara="1" rIns="91425" wrap="square" tIns="91425">
-            <a:noAutofit/>
-          </a:bodyPr>
-          <a:lstStyle/>
-          <a:p>
-            <a:pPr indent="0" lvl="0" marL="0" rtl="0" algn="l">
-              <a:spcBef>
-                <a:spcPts val="0"/>
-              </a:spcBef>
-              <a:spcAft>
-                <a:spcPts val="0"/>
-              </a:spcAft>
-              <a:buNone/>
-            </a:pPr>
-            <a:r>
-              <a:rPr lang="en"/>
-              <a:t>See you next week!</a:t>
-            </a:r>
-            <a:endParaRPr/>
-          </a:p>
-        </p:txBody>
-      </p:sp>
-    </p:spTree>
-  </p:cSld>
-  <p:clrMapOvr>
-    <a:masterClrMapping/>
-  </p:clrMapOvr>
-</p:sld>
-</file>
-
-<file path=ppt/slides/slide22.xml><?xml version="1.0" encoding="utf-8"?>
-<p:sld xmlns:a="http://schemas.openxmlformats.org/drawingml/2006/main" xmlns:r="http://schemas.openxmlformats.org/officeDocument/2006/relationships" xmlns:mc="http://schemas.openxmlformats.org/markup-compatibility/2006" xmlns:mv="urn:schemas-microsoft-com:mac:vml" xmlns:p="http://schemas.openxmlformats.org/presentationml/2006/main" xmlns:c="http://schemas.openxmlformats.org/drawingml/2006/chart" xmlns:dgm="http://schemas.openxmlformats.org/drawingml/2006/diagram" xmlns:o="urn:schemas-microsoft-com:office:office" xmlns:v="urn:schemas-microsoft-com:vml" xmlns:pvml="urn:schemas-microsoft-com:office:powerpoint" xmlns:com="http://schemas.openxmlformats.org/drawingml/2006/compatibility" xmlns:p14="http://schemas.microsoft.com/office/powerpoint/2010/main" xmlns:p15="http://schemas.microsoft.com/office/powerpoint/2012/main">
-  <p:cSld>
-    <p:spTree>
-      <p:nvGrpSpPr>
-        <p:cNvPr id="188" name="Shape 188"/>
-        <p:cNvGrpSpPr/>
-        <p:nvPr/>
-      </p:nvGrpSpPr>
-      <p:grpSpPr>
-        <a:xfrm>
-          <a:off x="0" y="0"/>
-          <a:ext cx="0" cy="0"/>
-          <a:chOff x="0" y="0"/>
-          <a:chExt cx="0" cy="0"/>
-        </a:xfrm>
-      </p:grpSpPr>
-      <p:sp>
-        <p:nvSpPr>
-          <p:cNvPr id="189" name="Google Shape;189;p34"/>
-          <p:cNvSpPr txBox="1"/>
-          <p:nvPr>
-            <p:ph type="ctrTitle"/>
-          </p:nvPr>
-        </p:nvSpPr>
-        <p:spPr>
-          <a:xfrm>
-            <a:off x="311700" y="539725"/>
-            <a:ext cx="8520600" cy="877800"/>
-          </a:xfrm>
-          <a:prstGeom prst="rect">
-            <a:avLst/>
-          </a:prstGeom>
-        </p:spPr>
-        <p:txBody>
-          <a:bodyPr anchorCtr="0" anchor="t" bIns="91425" lIns="91425" spcFirstLastPara="1" rIns="91425" wrap="square" tIns="91425">
-            <a:noAutofit/>
-          </a:bodyPr>
-          <a:lstStyle/>
-          <a:p>
-            <a:pPr indent="0" lvl="0" marL="0" rtl="0" algn="l">
-              <a:spcBef>
-                <a:spcPts val="0"/>
-              </a:spcBef>
-              <a:spcAft>
-                <a:spcPts val="0"/>
-              </a:spcAft>
-              <a:buNone/>
-            </a:pPr>
-            <a:r>
-              <a:rPr lang="en"/>
-              <a:t>Sources</a:t>
-            </a:r>
-            <a:endParaRPr/>
-          </a:p>
-        </p:txBody>
-      </p:sp>
-      <p:sp>
-        <p:nvSpPr>
-          <p:cNvPr id="190" name="Google Shape;190;p34"/>
-          <p:cNvSpPr txBox="1"/>
-          <p:nvPr>
-            <p:ph idx="1" type="subTitle"/>
-          </p:nvPr>
-        </p:nvSpPr>
-        <p:spPr>
-          <a:xfrm>
-            <a:off x="311700" y="1473575"/>
-            <a:ext cx="7947600" cy="738300"/>
-          </a:xfrm>
-          <a:prstGeom prst="rect">
-            <a:avLst/>
-          </a:prstGeom>
-        </p:spPr>
-        <p:txBody>
-          <a:bodyPr anchorCtr="0" anchor="t" bIns="91425" lIns="91425" spcFirstLastPara="1" rIns="91425" wrap="square" tIns="91425">
-            <a:noAutofit/>
-          </a:bodyPr>
-          <a:lstStyle/>
-          <a:p>
-            <a:pPr indent="-298450" lvl="0" marL="457200" rtl="0" algn="l">
-              <a:spcBef>
-                <a:spcPts val="0"/>
-              </a:spcBef>
-              <a:spcAft>
-                <a:spcPts val="0"/>
-              </a:spcAft>
-              <a:buSzPts val="1100"/>
-              <a:buFont typeface="Calibri"/>
-              <a:buChar char="-"/>
-            </a:pPr>
-            <a:r>
-              <a:rPr lang="en" sz="1100" u="sng">
-                <a:solidFill>
-                  <a:schemeClr val="hlink"/>
-                </a:solidFill>
-                <a:latin typeface="Calibri"/>
-                <a:ea typeface="Calibri"/>
-                <a:cs typeface="Calibri"/>
-                <a:sym typeface="Calibri"/>
-                <a:hlinkClick r:id="rId3"/>
-              </a:rPr>
-              <a:t>https://medium.com/extend/what-is-rest-a-simple-explanation-for-beginners-part-1-introduction-b4a072f8740f</a:t>
-            </a:r>
-            <a:endParaRPr sz="1100">
-              <a:latin typeface="Calibri"/>
-              <a:ea typeface="Calibri"/>
-              <a:cs typeface="Calibri"/>
-              <a:sym typeface="Calibri"/>
-            </a:endParaRPr>
-          </a:p>
-          <a:p>
-            <a:pPr indent="-298450" lvl="0" marL="457200" rtl="0" algn="l">
-              <a:spcBef>
-                <a:spcPts val="0"/>
-              </a:spcBef>
-              <a:spcAft>
-                <a:spcPts val="0"/>
-              </a:spcAft>
-              <a:buSzPts val="1100"/>
-              <a:buFont typeface="Calibri"/>
-              <a:buChar char="-"/>
-            </a:pPr>
-            <a:r>
-              <a:rPr lang="en" sz="1100" u="sng">
-                <a:solidFill>
-                  <a:schemeClr val="hlink"/>
-                </a:solidFill>
-                <a:latin typeface="Calibri"/>
-                <a:ea typeface="Calibri"/>
-                <a:cs typeface="Calibri"/>
-                <a:sym typeface="Calibri"/>
-                <a:hlinkClick r:id="rId4"/>
-              </a:rPr>
-              <a:t>https://medium.com/@kumaraksi/using-http-methods-for-restful-services-e6671cf70d4d</a:t>
-            </a:r>
-            <a:endParaRPr sz="1100">
-              <a:latin typeface="Calibri"/>
-              <a:ea typeface="Calibri"/>
-              <a:cs typeface="Calibri"/>
-              <a:sym typeface="Calibri"/>
-            </a:endParaRPr>
-          </a:p>
-          <a:p>
-            <a:pPr indent="-298450" lvl="0" marL="457200" rtl="0" algn="l">
-              <a:spcBef>
-                <a:spcPts val="0"/>
-              </a:spcBef>
-              <a:spcAft>
-                <a:spcPts val="0"/>
-              </a:spcAft>
-              <a:buSzPts val="1100"/>
-              <a:buFont typeface="Calibri"/>
-              <a:buChar char="-"/>
-            </a:pPr>
-            <a:r>
-              <a:rPr lang="en" sz="1100" u="sng">
-                <a:solidFill>
-                  <a:schemeClr val="hlink"/>
-                </a:solidFill>
-                <a:latin typeface="Calibri"/>
-                <a:ea typeface="Calibri"/>
-                <a:cs typeface="Calibri"/>
-                <a:sym typeface="Calibri"/>
-                <a:hlinkClick r:id="rId5"/>
-              </a:rPr>
-              <a:t>https://expressjs.com/</a:t>
-            </a:r>
-            <a:endParaRPr sz="1100">
               <a:latin typeface="Calibri"/>
               <a:ea typeface="Calibri"/>
               <a:cs typeface="Calibri"/>
@@ -13189,7 +10494,7 @@
                 <a:cs typeface="Calibri"/>
                 <a:sym typeface="Calibri"/>
               </a:rPr>
-              <a:t>Which Year are you in?</a:t>
+              <a:t>Which year are you in?</a:t>
             </a:r>
             <a:endParaRPr>
               <a:latin typeface="Calibri"/>
